--- a/기획자료/PYG_버프_김세윤.pptx
+++ b/기획자료/PYG_버프_김세윤.pptx
@@ -5,14 +5,15 @@
     <p:sldMasterId id="2147483648" r:id="rId1"/>
   </p:sldMasterIdLst>
   <p:notesMasterIdLst>
-    <p:notesMasterId r:id="rId7"/>
+    <p:notesMasterId r:id="rId8"/>
   </p:notesMasterIdLst>
   <p:sldIdLst>
     <p:sldId id="256" r:id="rId2"/>
     <p:sldId id="266" r:id="rId3"/>
-    <p:sldId id="268" r:id="rId4"/>
-    <p:sldId id="270" r:id="rId5"/>
-    <p:sldId id="269" r:id="rId6"/>
+    <p:sldId id="271" r:id="rId4"/>
+    <p:sldId id="268" r:id="rId5"/>
+    <p:sldId id="270" r:id="rId6"/>
+    <p:sldId id="269" r:id="rId7"/>
   </p:sldIdLst>
   <p:sldSz cx="12192000" cy="6858000"/>
   <p:notesSz cx="6858000" cy="9144000"/>
@@ -252,6 +253,7 @@
           <p14:sldIdLst>
             <p14:sldId id="256"/>
             <p14:sldId id="266"/>
+            <p14:sldId id="271"/>
             <p14:sldId id="268"/>
             <p14:sldId id="270"/>
             <p14:sldId id="269"/>
@@ -280,7 +282,7 @@
       <p15:notesGuideLst xmlns:p15="http://schemas.microsoft.com/office/powerpoint/2012/main"/>
     </p:ext>
     <p:ext uri="http://customooxmlschemas.google.com/">
-      <go:slidesCustomData xmlns="" xmlns:mc="http://schemas.openxmlformats.org/markup-compatibility/2006" xmlns:mv="urn:schemas-microsoft-com:mac:vml" xmlns:c="http://schemas.openxmlformats.org/drawingml/2006/chart" xmlns:dgm="http://schemas.openxmlformats.org/drawingml/2006/diagram" xmlns:o="urn:schemas-microsoft-com:office:office" xmlns:v="urn:schemas-microsoft-com:vml" xmlns:pvml="urn:schemas-microsoft-com:office:powerpoint" xmlns:com="http://schemas.openxmlformats.org/drawingml/2006/compatibility" xmlns:p14="http://schemas.microsoft.com/office/powerpoint/2010/main" xmlns:p15="http://schemas.microsoft.com/office/powerpoint/2012/main" xmlns:ahyp="http://schemas.microsoft.com/office/drawing/2018/hyperlinkcolor" xmlns:go="http://customooxmlschemas.google.com/" r:id="rId16" roundtripDataSignature="AMtx7mjoc8yIVULp6K+dfz3fr5kxV1yK+Q=="/>
+      <go:slidesCustomData xmlns:go="http://customooxmlschemas.google.com/" xmlns:ahyp="http://schemas.microsoft.com/office/drawing/2018/hyperlinkcolor" xmlns:p15="http://schemas.microsoft.com/office/powerpoint/2012/main" xmlns:p14="http://schemas.microsoft.com/office/powerpoint/2010/main" xmlns:com="http://schemas.openxmlformats.org/drawingml/2006/compatibility" xmlns:pvml="urn:schemas-microsoft-com:office:powerpoint" xmlns:v="urn:schemas-microsoft-com:vml" xmlns:o="urn:schemas-microsoft-com:office:office" xmlns:dgm="http://schemas.openxmlformats.org/drawingml/2006/diagram" xmlns:c="http://schemas.openxmlformats.org/drawingml/2006/chart" xmlns:mv="urn:schemas-microsoft-com:mac:vml" xmlns:mc="http://schemas.openxmlformats.org/markup-compatibility/2006" xmlns="" r:id="rId16" roundtripDataSignature="AMtx7mjoc8yIVULp6K+dfz3fr5kxV1yK+Q=="/>
     </p:ext>
   </p:extLst>
 </p:presentation>
@@ -1929,7 +1931,7 @@
     </p:spTree>
     <p:extLst>
       <p:ext uri="{BB962C8B-B14F-4D97-AF65-F5344CB8AC3E}">
-        <p14:creationId xmlns:p14="http://schemas.microsoft.com/office/powerpoint/2010/main" val="3150121243"/>
+        <p14:creationId xmlns:p14="http://schemas.microsoft.com/office/powerpoint/2010/main" val="4091282344"/>
       </p:ext>
     </p:extLst>
   </p:cSld>
@@ -2102,7 +2104,7 @@
     </p:spTree>
     <p:extLst>
       <p:ext uri="{BB962C8B-B14F-4D97-AF65-F5344CB8AC3E}">
-        <p14:creationId xmlns:p14="http://schemas.microsoft.com/office/powerpoint/2010/main" val="2071476676"/>
+        <p14:creationId xmlns:p14="http://schemas.microsoft.com/office/powerpoint/2010/main" val="3150121243"/>
       </p:ext>
     </p:extLst>
   </p:cSld>
@@ -2267,6 +2269,179 @@
             <a:fld id="{00000000-1234-1234-1234-123412341234}" type="slidenum">
               <a:rPr lang="en-US" altLang="ko-KR"/>
               <a:t>5</a:t>
+            </a:fld>
+            <a:endParaRPr/>
+          </a:p>
+        </p:txBody>
+      </p:sp>
+    </p:spTree>
+    <p:extLst>
+      <p:ext uri="{BB962C8B-B14F-4D97-AF65-F5344CB8AC3E}">
+        <p14:creationId xmlns:p14="http://schemas.microsoft.com/office/powerpoint/2010/main" val="2071476676"/>
+      </p:ext>
+    </p:extLst>
+  </p:cSld>
+  <p:clrMapOvr>
+    <a:masterClrMapping/>
+  </p:clrMapOvr>
+</p:notes>
+</file>
+
+<file path=ppt/notesSlides/notesSlide6.xml><?xml version="1.0" encoding="utf-8"?>
+<p:notes xmlns:a="http://schemas.openxmlformats.org/drawingml/2006/main" xmlns:r="http://schemas.openxmlformats.org/officeDocument/2006/relationships" xmlns:p="http://schemas.openxmlformats.org/presentationml/2006/main" showMasterSp="0" showMasterPhAnim="0">
+  <p:cSld>
+    <p:spTree>
+      <p:nvGrpSpPr>
+        <p:cNvPr id="1" name="Shape 112"/>
+        <p:cNvGrpSpPr/>
+        <p:nvPr/>
+      </p:nvGrpSpPr>
+      <p:grpSpPr>
+        <a:xfrm>
+          <a:off x="0" y="0"/>
+          <a:ext cx="0" cy="0"/>
+          <a:chOff x="0" y="0"/>
+          <a:chExt cx="0" cy="0"/>
+        </a:xfrm>
+      </p:grpSpPr>
+      <p:sp>
+        <p:nvSpPr>
+          <p:cNvPr id="113" name="Google Shape;113;p3:notes"/>
+          <p:cNvSpPr>
+            <a:spLocks noGrp="1" noRot="1" noChangeAspect="1"/>
+          </p:cNvSpPr>
+          <p:nvPr>
+            <p:ph type="sldImg" idx="2"/>
+          </p:nvPr>
+        </p:nvSpPr>
+        <p:spPr>
+          <a:xfrm>
+            <a:off x="685800" y="1143000"/>
+            <a:ext cx="5486400" cy="3086100"/>
+          </a:xfrm>
+          <a:custGeom>
+            <a:avLst/>
+            <a:gdLst/>
+            <a:ahLst/>
+            <a:cxnLst/>
+            <a:rect l="l" t="t" r="r" b="b"/>
+            <a:pathLst>
+              <a:path w="120000" h="120000" extrusionOk="0">
+                <a:moveTo>
+                  <a:pt x="0" y="0"/>
+                </a:moveTo>
+                <a:lnTo>
+                  <a:pt x="120000" y="0"/>
+                </a:lnTo>
+                <a:lnTo>
+                  <a:pt x="120000" y="120000"/>
+                </a:lnTo>
+                <a:lnTo>
+                  <a:pt x="0" y="120000"/>
+                </a:lnTo>
+                <a:close/>
+              </a:path>
+            </a:pathLst>
+          </a:custGeom>
+          <a:noFill/>
+          <a:ln w="12700" cap="flat" cmpd="sng">
+            <a:solidFill>
+              <a:srgbClr val="000000"/>
+            </a:solidFill>
+            <a:prstDash val="solid"/>
+            <a:round/>
+            <a:headEnd type="none" w="sm" len="sm"/>
+            <a:tailEnd type="none" w="sm" len="sm"/>
+          </a:ln>
+        </p:spPr>
+      </p:sp>
+      <p:sp>
+        <p:nvSpPr>
+          <p:cNvPr id="114" name="Google Shape;114;p3:notes"/>
+          <p:cNvSpPr txBox="1">
+            <a:spLocks noGrp="1"/>
+          </p:cNvSpPr>
+          <p:nvPr>
+            <p:ph type="body" idx="1"/>
+          </p:nvPr>
+        </p:nvSpPr>
+        <p:spPr>
+          <a:xfrm>
+            <a:off x="685800" y="4400550"/>
+            <a:ext cx="5486400" cy="3600450"/>
+          </a:xfrm>
+          <a:prstGeom prst="rect">
+            <a:avLst/>
+          </a:prstGeom>
+          <a:noFill/>
+          <a:ln>
+            <a:noFill/>
+          </a:ln>
+        </p:spPr>
+        <p:txBody>
+          <a:bodyPr spcFirstLastPara="1" wrap="square" lIns="91425" tIns="45700" rIns="91425" bIns="45700" anchor="t" anchorCtr="0">
+            <a:noAutofit/>
+          </a:bodyPr>
+          <a:lstStyle/>
+          <a:p>
+            <a:pPr marL="0" lvl="0" indent="0" algn="l" rtl="0">
+              <a:spcBef>
+                <a:spcPts val="0"/>
+              </a:spcBef>
+              <a:spcAft>
+                <a:spcPts val="0"/>
+              </a:spcAft>
+              <a:buNone/>
+            </a:pPr>
+            <a:r>
+              <a:rPr lang="en-US" altLang="ko-KR" dirty="0"/>
+              <a:t>https://assetstore.unity.com/packages/3d/characters/creatures/fightbear-134908</a:t>
+            </a:r>
+            <a:endParaRPr dirty="0"/>
+          </a:p>
+        </p:txBody>
+      </p:sp>
+      <p:sp>
+        <p:nvSpPr>
+          <p:cNvPr id="115" name="Google Shape;115;p3:notes"/>
+          <p:cNvSpPr txBox="1">
+            <a:spLocks noGrp="1"/>
+          </p:cNvSpPr>
+          <p:nvPr>
+            <p:ph type="sldNum" idx="12"/>
+          </p:nvPr>
+        </p:nvSpPr>
+        <p:spPr>
+          <a:xfrm>
+            <a:off x="3884613" y="8685213"/>
+            <a:ext cx="2971800" cy="458787"/>
+          </a:xfrm>
+          <a:prstGeom prst="rect">
+            <a:avLst/>
+          </a:prstGeom>
+          <a:noFill/>
+          <a:ln>
+            <a:noFill/>
+          </a:ln>
+        </p:spPr>
+        <p:txBody>
+          <a:bodyPr spcFirstLastPara="1" wrap="square" lIns="91425" tIns="45700" rIns="91425" bIns="45700" anchor="b" anchorCtr="0">
+            <a:noAutofit/>
+          </a:bodyPr>
+          <a:lstStyle/>
+          <a:p>
+            <a:pPr marL="0" lvl="0" indent="0" algn="r" rtl="0">
+              <a:spcBef>
+                <a:spcPts val="0"/>
+              </a:spcBef>
+              <a:spcAft>
+                <a:spcPts val="0"/>
+              </a:spcAft>
+              <a:buNone/>
+            </a:pPr>
+            <a:fld id="{00000000-1234-1234-1234-123412341234}" type="slidenum">
+              <a:rPr lang="en-US" altLang="ko-KR"/>
+              <a:t>6</a:t>
             </a:fld>
             <a:endParaRPr/>
           </a:p>
@@ -14945,17 +15120,18 @@
               <a:buNone/>
             </a:pPr>
             <a:r>
-              <a:rPr lang="ko-KR" altLang="en-US" dirty="0"/>
-              <a:t>버프 </a:t>
-            </a:r>
-            <a:r>
-              <a:rPr lang="ko-KR" altLang="en-US" dirty="0" err="1"/>
-              <a:t>디버프</a:t>
-            </a:r>
-            <a:r>
-              <a:rPr lang="ko-KR" altLang="en-US" dirty="0"/>
-              <a:t> 적용</a:t>
-            </a:r>
+              <a:rPr lang="en-US" altLang="ko-KR" dirty="0" err="1"/>
+              <a:t>EffTime</a:t>
+            </a:r>
+            <a:r>
+              <a:rPr lang="en-US" altLang="ko-KR" dirty="0"/>
+              <a:t> &amp; </a:t>
+            </a:r>
+            <a:r>
+              <a:rPr lang="en-US" altLang="ko-KR" dirty="0" err="1"/>
+              <a:t>EffTurn</a:t>
+            </a:r>
+            <a:endParaRPr lang="ko-KR" altLang="en-US" dirty="0"/>
           </a:p>
         </p:txBody>
       </p:sp>
@@ -15213,6 +15389,1907 @@
             <a:fld id="{00000000-1234-1234-1234-123412341234}" type="slidenum">
               <a:rPr lang="en-US" altLang="ko-KR" smtClean="0"/>
               <a:t>3</a:t>
+            </a:fld>
+            <a:endParaRPr lang="ko-KR" altLang="en-US"/>
+          </a:p>
+        </p:txBody>
+      </p:sp>
+      <p:cxnSp>
+        <p:nvCxnSpPr>
+          <p:cNvPr id="56" name="Google Shape;97;p2">
+            <a:extLst>
+              <a:ext uri="{FF2B5EF4-FFF2-40B4-BE49-F238E27FC236}">
+                <a16:creationId xmlns:a16="http://schemas.microsoft.com/office/drawing/2014/main" id="{62588F5F-EF44-4D87-B105-53BCC0462955}"/>
+              </a:ext>
+            </a:extLst>
+          </p:cNvPr>
+          <p:cNvCxnSpPr>
+            <a:cxnSpLocks/>
+          </p:cNvCxnSpPr>
+          <p:nvPr/>
+        </p:nvCxnSpPr>
+        <p:spPr>
+          <a:xfrm>
+            <a:off x="8488219" y="1534879"/>
+            <a:ext cx="0" cy="4945433"/>
+          </a:xfrm>
+          <a:prstGeom prst="straightConnector1">
+            <a:avLst/>
+          </a:prstGeom>
+          <a:noFill/>
+          <a:ln w="19050" cap="flat" cmpd="sng">
+            <a:solidFill>
+              <a:schemeClr val="dk1"/>
+            </a:solidFill>
+            <a:prstDash val="solid"/>
+            <a:miter lim="800000"/>
+            <a:headEnd type="none" w="sm" len="sm"/>
+            <a:tailEnd type="none" w="sm" len="sm"/>
+          </a:ln>
+        </p:spPr>
+      </p:cxnSp>
+      <p:sp>
+        <p:nvSpPr>
+          <p:cNvPr id="31" name="TextBox 30">
+            <a:extLst>
+              <a:ext uri="{FF2B5EF4-FFF2-40B4-BE49-F238E27FC236}">
+                <a16:creationId xmlns:a16="http://schemas.microsoft.com/office/drawing/2014/main" id="{CC75C9D9-15F2-4CB0-A798-8F3CE0486109}"/>
+              </a:ext>
+            </a:extLst>
+          </p:cNvPr>
+          <p:cNvSpPr txBox="1"/>
+          <p:nvPr/>
+        </p:nvSpPr>
+        <p:spPr>
+          <a:xfrm>
+            <a:off x="8510695" y="1534879"/>
+            <a:ext cx="3655516" cy="4765600"/>
+          </a:xfrm>
+          <a:prstGeom prst="rect">
+            <a:avLst/>
+          </a:prstGeom>
+          <a:noFill/>
+        </p:spPr>
+        <p:txBody>
+          <a:bodyPr wrap="square">
+            <a:spAutoFit/>
+          </a:bodyPr>
+          <a:lstStyle/>
+          <a:p>
+            <a:pPr>
+              <a:lnSpc>
+                <a:spcPct val="150000"/>
+              </a:lnSpc>
+            </a:pPr>
+            <a:r>
+              <a:rPr lang="ko-KR" altLang="en-US" sz="1200" b="1" dirty="0">
+                <a:latin typeface="+mn-ea"/>
+                <a:ea typeface="+mn-ea"/>
+              </a:rPr>
+              <a:t>적용 방식</a:t>
+            </a:r>
+            <a:endParaRPr lang="en-US" altLang="ko-KR" sz="1200" b="1" dirty="0">
+              <a:latin typeface="+mn-ea"/>
+              <a:ea typeface="+mn-ea"/>
+            </a:endParaRPr>
+          </a:p>
+          <a:p>
+            <a:pPr marL="171450" indent="-171450">
+              <a:lnSpc>
+                <a:spcPct val="150000"/>
+              </a:lnSpc>
+              <a:buFont typeface="Arial" panose="020B0604020202020204" pitchFamily="34" charset="0"/>
+              <a:buChar char="•"/>
+            </a:pPr>
+            <a:r>
+              <a:rPr lang="ko-KR" altLang="en-US" sz="1200" dirty="0">
+                <a:latin typeface="+mn-ea"/>
+                <a:ea typeface="+mn-ea"/>
+              </a:rPr>
+              <a:t>일반적인 </a:t>
+            </a:r>
+            <a:r>
+              <a:rPr lang="en-US" altLang="ko-KR" sz="1200" dirty="0" err="1">
+                <a:latin typeface="+mn-ea"/>
+                <a:ea typeface="+mn-ea"/>
+              </a:rPr>
+              <a:t>EffTime</a:t>
+            </a:r>
+            <a:r>
+              <a:rPr lang="ko-KR" altLang="en-US" sz="1200" dirty="0">
+                <a:latin typeface="+mn-ea"/>
+                <a:ea typeface="+mn-ea"/>
+              </a:rPr>
+              <a:t>의 경우 시간이기 때문에 </a:t>
+            </a:r>
+            <a:br>
+              <a:rPr lang="en-US" altLang="ko-KR" sz="1200" dirty="0">
+                <a:latin typeface="+mn-ea"/>
+                <a:ea typeface="+mn-ea"/>
+              </a:rPr>
+            </a:br>
+            <a:r>
+              <a:rPr lang="ko-KR" altLang="en-US" sz="1200" dirty="0">
+                <a:latin typeface="+mn-ea"/>
+                <a:ea typeface="+mn-ea"/>
+              </a:rPr>
+              <a:t>시간이 지속되는 동안 </a:t>
+            </a:r>
+            <a:r>
+              <a:rPr lang="ko-KR" altLang="en-US" sz="1200" dirty="0" err="1">
+                <a:latin typeface="+mn-ea"/>
+                <a:ea typeface="+mn-ea"/>
+              </a:rPr>
+              <a:t>디버프는</a:t>
+            </a:r>
+            <a:r>
+              <a:rPr lang="ko-KR" altLang="en-US" sz="1200" dirty="0">
+                <a:latin typeface="+mn-ea"/>
+                <a:ea typeface="+mn-ea"/>
+              </a:rPr>
+              <a:t> 유지된다</a:t>
+            </a:r>
+            <a:r>
+              <a:rPr lang="en-US" altLang="ko-KR" sz="1200" dirty="0">
+                <a:latin typeface="+mn-ea"/>
+                <a:ea typeface="+mn-ea"/>
+              </a:rPr>
+              <a:t>.</a:t>
+            </a:r>
+          </a:p>
+          <a:p>
+            <a:pPr marL="171450" indent="-171450">
+              <a:lnSpc>
+                <a:spcPct val="150000"/>
+              </a:lnSpc>
+              <a:buFont typeface="Arial" panose="020B0604020202020204" pitchFamily="34" charset="0"/>
+              <a:buChar char="•"/>
+            </a:pPr>
+            <a:r>
+              <a:rPr lang="en-US" altLang="ko-KR" sz="1200" dirty="0" err="1">
+                <a:latin typeface="+mn-ea"/>
+                <a:ea typeface="+mn-ea"/>
+              </a:rPr>
+              <a:t>EffTurn</a:t>
+            </a:r>
+            <a:r>
+              <a:rPr lang="ko-KR" altLang="en-US" sz="1200" dirty="0">
+                <a:latin typeface="+mn-ea"/>
+                <a:ea typeface="+mn-ea"/>
+              </a:rPr>
+              <a:t>의 경우 매 턴 </a:t>
+            </a:r>
+            <a:r>
+              <a:rPr lang="ko-KR" altLang="en-US" sz="1200" dirty="0" err="1">
+                <a:latin typeface="+mn-ea"/>
+                <a:ea typeface="+mn-ea"/>
+              </a:rPr>
+              <a:t>디버프를</a:t>
+            </a:r>
+            <a:r>
+              <a:rPr lang="ko-KR" altLang="en-US" sz="1200" dirty="0">
+                <a:latin typeface="+mn-ea"/>
+                <a:ea typeface="+mn-ea"/>
+              </a:rPr>
+              <a:t> 체크하여 </a:t>
+            </a:r>
+            <a:br>
+              <a:rPr lang="en-US" altLang="ko-KR" sz="1200" dirty="0">
+                <a:latin typeface="+mn-ea"/>
+                <a:ea typeface="+mn-ea"/>
+              </a:rPr>
+            </a:br>
+            <a:r>
+              <a:rPr lang="ko-KR" altLang="en-US" sz="1200" dirty="0" err="1">
+                <a:latin typeface="+mn-ea"/>
+                <a:ea typeface="+mn-ea"/>
+              </a:rPr>
+              <a:t>디버프가</a:t>
+            </a:r>
+            <a:r>
+              <a:rPr lang="ko-KR" altLang="en-US" sz="1200" dirty="0">
+                <a:latin typeface="+mn-ea"/>
+                <a:ea typeface="+mn-ea"/>
+              </a:rPr>
+              <a:t> 삭제 되는지 확인이 필요하다</a:t>
+            </a:r>
+            <a:r>
+              <a:rPr lang="en-US" altLang="ko-KR" sz="1200" dirty="0">
+                <a:latin typeface="+mn-ea"/>
+                <a:ea typeface="+mn-ea"/>
+              </a:rPr>
+              <a:t>.</a:t>
+            </a:r>
+          </a:p>
+          <a:p>
+            <a:pPr marL="171450" indent="-171450">
+              <a:lnSpc>
+                <a:spcPct val="150000"/>
+              </a:lnSpc>
+              <a:buFont typeface="Arial" panose="020B0604020202020204" pitchFamily="34" charset="0"/>
+              <a:buChar char="•"/>
+            </a:pPr>
+            <a:endParaRPr lang="en-US" altLang="ko-KR" sz="1200" dirty="0">
+              <a:latin typeface="+mn-ea"/>
+              <a:ea typeface="+mn-ea"/>
+            </a:endParaRPr>
+          </a:p>
+          <a:p>
+            <a:pPr marL="171450" indent="-171450">
+              <a:lnSpc>
+                <a:spcPct val="150000"/>
+              </a:lnSpc>
+              <a:buFont typeface="Arial" panose="020B0604020202020204" pitchFamily="34" charset="0"/>
+              <a:buChar char="•"/>
+            </a:pPr>
+            <a:endParaRPr lang="en-US" altLang="ko-KR" sz="1200" dirty="0">
+              <a:latin typeface="+mn-ea"/>
+              <a:ea typeface="+mn-ea"/>
+            </a:endParaRPr>
+          </a:p>
+          <a:p>
+            <a:pPr marL="171450" indent="-171450">
+              <a:lnSpc>
+                <a:spcPct val="150000"/>
+              </a:lnSpc>
+              <a:buFont typeface="Arial" panose="020B0604020202020204" pitchFamily="34" charset="0"/>
+              <a:buChar char="•"/>
+            </a:pPr>
+            <a:endParaRPr lang="en-US" altLang="ko-KR" sz="1200" dirty="0">
+              <a:latin typeface="+mn-ea"/>
+              <a:ea typeface="+mn-ea"/>
+            </a:endParaRPr>
+          </a:p>
+          <a:p>
+            <a:pPr marL="171450" indent="-171450">
+              <a:lnSpc>
+                <a:spcPct val="150000"/>
+              </a:lnSpc>
+              <a:buFont typeface="Arial" panose="020B0604020202020204" pitchFamily="34" charset="0"/>
+              <a:buChar char="•"/>
+            </a:pPr>
+            <a:endParaRPr lang="en-US" altLang="ko-KR" sz="1200" dirty="0">
+              <a:latin typeface="+mn-ea"/>
+              <a:ea typeface="+mn-ea"/>
+            </a:endParaRPr>
+          </a:p>
+          <a:p>
+            <a:pPr marL="171450" indent="-171450">
+              <a:lnSpc>
+                <a:spcPct val="150000"/>
+              </a:lnSpc>
+              <a:buFont typeface="Arial" panose="020B0604020202020204" pitchFamily="34" charset="0"/>
+              <a:buChar char="•"/>
+            </a:pPr>
+            <a:endParaRPr lang="en-US" altLang="ko-KR" sz="1200" dirty="0">
+              <a:latin typeface="+mn-ea"/>
+              <a:ea typeface="+mn-ea"/>
+            </a:endParaRPr>
+          </a:p>
+          <a:p>
+            <a:pPr marL="171450" indent="-171450">
+              <a:lnSpc>
+                <a:spcPct val="150000"/>
+              </a:lnSpc>
+              <a:buFont typeface="Arial" panose="020B0604020202020204" pitchFamily="34" charset="0"/>
+              <a:buChar char="•"/>
+            </a:pPr>
+            <a:endParaRPr lang="en-US" altLang="ko-KR" sz="1200" dirty="0">
+              <a:latin typeface="+mn-ea"/>
+              <a:ea typeface="+mn-ea"/>
+            </a:endParaRPr>
+          </a:p>
+          <a:p>
+            <a:pPr>
+              <a:lnSpc>
+                <a:spcPct val="150000"/>
+              </a:lnSpc>
+            </a:pPr>
+            <a:r>
+              <a:rPr lang="ko-KR" altLang="en-US" sz="1200" b="1" dirty="0">
+                <a:latin typeface="+mn-ea"/>
+                <a:ea typeface="+mn-ea"/>
+              </a:rPr>
+              <a:t>적용 예시</a:t>
+            </a:r>
+            <a:endParaRPr lang="en-US" altLang="ko-KR" sz="1200" b="1" dirty="0">
+              <a:latin typeface="+mn-ea"/>
+              <a:ea typeface="+mn-ea"/>
+            </a:endParaRPr>
+          </a:p>
+          <a:p>
+            <a:pPr marL="171450" indent="-171450">
+              <a:lnSpc>
+                <a:spcPct val="150000"/>
+              </a:lnSpc>
+              <a:buFont typeface="Arial" panose="020B0604020202020204" pitchFamily="34" charset="0"/>
+              <a:buChar char="•"/>
+            </a:pPr>
+            <a:r>
+              <a:rPr lang="en-US" altLang="ko-KR" sz="1200" dirty="0">
+                <a:latin typeface="+mn-ea"/>
+                <a:ea typeface="+mn-ea"/>
+              </a:rPr>
+              <a:t>110 : </a:t>
+            </a:r>
+            <a:r>
+              <a:rPr lang="ko-KR" altLang="en-US" sz="1200" dirty="0">
+                <a:latin typeface="+mn-ea"/>
+                <a:ea typeface="+mn-ea"/>
+              </a:rPr>
+              <a:t>스턴 </a:t>
+            </a:r>
+            <a:r>
+              <a:rPr lang="en-US" altLang="ko-KR" sz="1200" dirty="0" err="1">
+                <a:latin typeface="+mn-ea"/>
+                <a:ea typeface="+mn-ea"/>
+              </a:rPr>
+              <a:t>EffTime</a:t>
+            </a:r>
+            <a:r>
+              <a:rPr lang="en-US" altLang="ko-KR" sz="1200" dirty="0">
+                <a:latin typeface="+mn-ea"/>
+                <a:ea typeface="+mn-ea"/>
+              </a:rPr>
+              <a:t> == 3, </a:t>
+            </a:r>
+            <a:r>
+              <a:rPr lang="en-US" altLang="ko-KR" sz="1200" dirty="0" err="1">
+                <a:latin typeface="+mn-ea"/>
+                <a:ea typeface="+mn-ea"/>
+              </a:rPr>
+              <a:t>EffTrun</a:t>
+            </a:r>
+            <a:r>
+              <a:rPr lang="en-US" altLang="ko-KR" sz="1200" dirty="0">
+                <a:latin typeface="+mn-ea"/>
+                <a:ea typeface="+mn-ea"/>
+              </a:rPr>
+              <a:t> == 0</a:t>
+            </a:r>
+          </a:p>
+          <a:p>
+            <a:pPr marL="171450" indent="-171450">
+              <a:lnSpc>
+                <a:spcPct val="150000"/>
+              </a:lnSpc>
+              <a:buFont typeface="Arial" panose="020B0604020202020204" pitchFamily="34" charset="0"/>
+              <a:buChar char="•"/>
+            </a:pPr>
+            <a:r>
+              <a:rPr lang="en-US" altLang="ko-KR" sz="1200" dirty="0">
+                <a:latin typeface="+mn-ea"/>
+                <a:ea typeface="+mn-ea"/>
+              </a:rPr>
+              <a:t>111 : </a:t>
+            </a:r>
+            <a:r>
+              <a:rPr lang="ko-KR" altLang="en-US" sz="1200" dirty="0">
+                <a:latin typeface="+mn-ea"/>
+                <a:ea typeface="+mn-ea"/>
+              </a:rPr>
+              <a:t>스턴 </a:t>
+            </a:r>
+            <a:r>
+              <a:rPr lang="en-US" altLang="ko-KR" sz="1200" dirty="0" err="1">
+                <a:latin typeface="+mn-ea"/>
+                <a:ea typeface="+mn-ea"/>
+              </a:rPr>
+              <a:t>EffTime</a:t>
+            </a:r>
+            <a:r>
+              <a:rPr lang="en-US" altLang="ko-KR" sz="1200" dirty="0">
+                <a:latin typeface="+mn-ea"/>
+                <a:ea typeface="+mn-ea"/>
+              </a:rPr>
+              <a:t> == 0, </a:t>
+            </a:r>
+            <a:r>
+              <a:rPr lang="en-US" altLang="ko-KR" sz="1200" dirty="0" err="1">
+                <a:latin typeface="+mn-ea"/>
+                <a:ea typeface="+mn-ea"/>
+              </a:rPr>
+              <a:t>EffTrun</a:t>
+            </a:r>
+            <a:r>
+              <a:rPr lang="en-US" altLang="ko-KR" sz="1200" dirty="0">
+                <a:latin typeface="+mn-ea"/>
+                <a:ea typeface="+mn-ea"/>
+              </a:rPr>
+              <a:t> == 1</a:t>
+            </a:r>
+          </a:p>
+          <a:p>
+            <a:pPr marL="171450" indent="-171450">
+              <a:lnSpc>
+                <a:spcPct val="150000"/>
+              </a:lnSpc>
+              <a:buFont typeface="Arial" panose="020B0604020202020204" pitchFamily="34" charset="0"/>
+              <a:buChar char="•"/>
+            </a:pPr>
+            <a:r>
+              <a:rPr lang="en-US" altLang="ko-KR" sz="1200" dirty="0">
+                <a:latin typeface="+mn-ea"/>
+                <a:ea typeface="+mn-ea"/>
+              </a:rPr>
+              <a:t>112 : </a:t>
+            </a:r>
+            <a:r>
+              <a:rPr lang="ko-KR" altLang="en-US" sz="1200" dirty="0" err="1">
+                <a:latin typeface="+mn-ea"/>
+                <a:ea typeface="+mn-ea"/>
+              </a:rPr>
+              <a:t>독뎀</a:t>
+            </a:r>
+            <a:r>
+              <a:rPr lang="ko-KR" altLang="en-US" sz="1200" dirty="0">
+                <a:latin typeface="+mn-ea"/>
+                <a:ea typeface="+mn-ea"/>
+              </a:rPr>
+              <a:t> </a:t>
+            </a:r>
+            <a:r>
+              <a:rPr lang="en-US" altLang="ko-KR" sz="1200" dirty="0" err="1">
+                <a:latin typeface="+mn-ea"/>
+                <a:ea typeface="+mn-ea"/>
+              </a:rPr>
+              <a:t>EffTime</a:t>
+            </a:r>
+            <a:r>
+              <a:rPr lang="en-US" altLang="ko-KR" sz="1200" dirty="0">
+                <a:latin typeface="+mn-ea"/>
+                <a:ea typeface="+mn-ea"/>
+              </a:rPr>
+              <a:t> ==12, </a:t>
+            </a:r>
+            <a:r>
+              <a:rPr lang="en-US" altLang="ko-KR" sz="1200" dirty="0" err="1">
+                <a:latin typeface="+mn-ea"/>
+                <a:ea typeface="+mn-ea"/>
+              </a:rPr>
+              <a:t>EffTrun</a:t>
+            </a:r>
+            <a:r>
+              <a:rPr lang="en-US" altLang="ko-KR" sz="1200" dirty="0">
+                <a:latin typeface="+mn-ea"/>
+                <a:ea typeface="+mn-ea"/>
+              </a:rPr>
+              <a:t> == 3</a:t>
+            </a:r>
+          </a:p>
+          <a:p>
+            <a:pPr marL="171450" indent="-171450">
+              <a:lnSpc>
+                <a:spcPct val="150000"/>
+              </a:lnSpc>
+              <a:buFont typeface="Arial" panose="020B0604020202020204" pitchFamily="34" charset="0"/>
+              <a:buChar char="•"/>
+            </a:pPr>
+            <a:endParaRPr lang="en-US" altLang="ko-KR" sz="1200" dirty="0">
+              <a:latin typeface="+mn-ea"/>
+              <a:ea typeface="+mn-ea"/>
+            </a:endParaRPr>
+          </a:p>
+          <a:p>
+            <a:pPr marL="171450" indent="-171450">
+              <a:lnSpc>
+                <a:spcPct val="150000"/>
+              </a:lnSpc>
+              <a:buFont typeface="Arial" panose="020B0604020202020204" pitchFamily="34" charset="0"/>
+              <a:buChar char="•"/>
+            </a:pPr>
+            <a:endParaRPr lang="en-US" altLang="ko-KR" sz="1200" dirty="0">
+              <a:latin typeface="+mn-ea"/>
+              <a:ea typeface="+mn-ea"/>
+            </a:endParaRPr>
+          </a:p>
+        </p:txBody>
+      </p:sp>
+      <p:pic>
+        <p:nvPicPr>
+          <p:cNvPr id="53" name="Google Shape;272;p8" descr="Jax Truesight">
+            <a:extLst>
+              <a:ext uri="{FF2B5EF4-FFF2-40B4-BE49-F238E27FC236}">
+                <a16:creationId xmlns:a16="http://schemas.microsoft.com/office/drawing/2014/main" id="{215EF5BC-1F67-F335-5C39-0AE1FAD5F079}"/>
+              </a:ext>
+            </a:extLst>
+          </p:cNvPr>
+          <p:cNvPicPr preferRelativeResize="0"/>
+          <p:nvPr/>
+        </p:nvPicPr>
+        <p:blipFill rotWithShape="1">
+          <a:blip r:embed="rId3">
+            <a:alphaModFix/>
+          </a:blip>
+          <a:srcRect l="21631" t="35604" r="16774" b="1885"/>
+          <a:stretch/>
+        </p:blipFill>
+        <p:spPr>
+          <a:xfrm>
+            <a:off x="1532777" y="4752617"/>
+            <a:ext cx="1330337" cy="1140290"/>
+          </a:xfrm>
+          <a:prstGeom prst="rect">
+            <a:avLst/>
+          </a:prstGeom>
+          <a:noFill/>
+          <a:ln>
+            <a:noFill/>
+          </a:ln>
+        </p:spPr>
+      </p:pic>
+      <p:pic>
+        <p:nvPicPr>
+          <p:cNvPr id="54" name="Google Shape;275;p8" descr="Caliber-O">
+            <a:extLst>
+              <a:ext uri="{FF2B5EF4-FFF2-40B4-BE49-F238E27FC236}">
+                <a16:creationId xmlns:a16="http://schemas.microsoft.com/office/drawing/2014/main" id="{B0FFD238-AF1B-6806-BCBD-CDDA072D9A52}"/>
+              </a:ext>
+            </a:extLst>
+          </p:cNvPr>
+          <p:cNvPicPr preferRelativeResize="0"/>
+          <p:nvPr/>
+        </p:nvPicPr>
+        <p:blipFill rotWithShape="1">
+          <a:blip r:embed="rId4">
+            <a:alphaModFix/>
+          </a:blip>
+          <a:srcRect/>
+          <a:stretch/>
+        </p:blipFill>
+        <p:spPr>
+          <a:xfrm flipH="1">
+            <a:off x="5995577" y="4529518"/>
+            <a:ext cx="1569466" cy="1325563"/>
+          </a:xfrm>
+          <a:prstGeom prst="rect">
+            <a:avLst/>
+          </a:prstGeom>
+          <a:noFill/>
+          <a:ln>
+            <a:noFill/>
+          </a:ln>
+        </p:spPr>
+      </p:pic>
+      <p:sp>
+        <p:nvSpPr>
+          <p:cNvPr id="55" name="TextBox 54">
+            <a:extLst>
+              <a:ext uri="{FF2B5EF4-FFF2-40B4-BE49-F238E27FC236}">
+                <a16:creationId xmlns:a16="http://schemas.microsoft.com/office/drawing/2014/main" id="{C658BE4F-80FE-B3BE-DB4D-354F6AC83F2F}"/>
+              </a:ext>
+            </a:extLst>
+          </p:cNvPr>
+          <p:cNvSpPr txBox="1"/>
+          <p:nvPr/>
+        </p:nvSpPr>
+        <p:spPr>
+          <a:xfrm>
+            <a:off x="609600" y="1534879"/>
+            <a:ext cx="7675809" cy="1441613"/>
+          </a:xfrm>
+          <a:prstGeom prst="rect">
+            <a:avLst/>
+          </a:prstGeom>
+          <a:noFill/>
+        </p:spPr>
+        <p:txBody>
+          <a:bodyPr wrap="square">
+            <a:spAutoFit/>
+          </a:bodyPr>
+          <a:lstStyle/>
+          <a:p>
+            <a:pPr marL="171450" indent="-171450">
+              <a:lnSpc>
+                <a:spcPct val="150000"/>
+              </a:lnSpc>
+              <a:buFont typeface="Arial" panose="020B0604020202020204" pitchFamily="34" charset="0"/>
+              <a:buChar char="•"/>
+            </a:pPr>
+            <a:r>
+              <a:rPr lang="en-US" altLang="ko-KR" sz="1200" dirty="0" err="1">
+                <a:latin typeface="+mn-ea"/>
+                <a:ea typeface="+mn-ea"/>
+              </a:rPr>
+              <a:t>EffTime</a:t>
+            </a:r>
+            <a:r>
+              <a:rPr lang="ko-KR" altLang="en-US" sz="1200" dirty="0">
+                <a:latin typeface="+mn-ea"/>
+                <a:ea typeface="+mn-ea"/>
+              </a:rPr>
+              <a:t>은 </a:t>
+            </a:r>
+            <a:r>
+              <a:rPr lang="ko-KR" altLang="en-US" sz="1200" dirty="0" err="1">
+                <a:latin typeface="+mn-ea"/>
+                <a:ea typeface="+mn-ea"/>
+              </a:rPr>
+              <a:t>디버프가</a:t>
+            </a:r>
+            <a:r>
+              <a:rPr lang="ko-KR" altLang="en-US" sz="1200" dirty="0">
+                <a:latin typeface="+mn-ea"/>
+                <a:ea typeface="+mn-ea"/>
+              </a:rPr>
+              <a:t> 지속되는 시간으로 플레이어와 </a:t>
+            </a:r>
+            <a:r>
+              <a:rPr lang="ko-KR" altLang="en-US" sz="1200" dirty="0" err="1">
+                <a:latin typeface="+mn-ea"/>
+                <a:ea typeface="+mn-ea"/>
+              </a:rPr>
+              <a:t>쫄몹에게만</a:t>
+            </a:r>
+            <a:r>
+              <a:rPr lang="ko-KR" altLang="en-US" sz="1200" dirty="0">
+                <a:latin typeface="+mn-ea"/>
+                <a:ea typeface="+mn-ea"/>
+              </a:rPr>
+              <a:t> 적용되며 효과를 받은 대상이 </a:t>
+            </a:r>
+            <a:r>
+              <a:rPr lang="en-US" altLang="ko-KR" sz="1200" dirty="0" err="1">
+                <a:latin typeface="+mn-ea"/>
+                <a:ea typeface="+mn-ea"/>
+              </a:rPr>
+              <a:t>EffTime</a:t>
+            </a:r>
+            <a:r>
+              <a:rPr lang="ko-KR" altLang="en-US" sz="1200" dirty="0">
+                <a:latin typeface="+mn-ea"/>
+                <a:ea typeface="+mn-ea"/>
+              </a:rPr>
+              <a:t>에 </a:t>
+            </a:r>
+            <a:r>
+              <a:rPr lang="ko-KR" altLang="en-US" sz="1200" dirty="0" err="1">
+                <a:latin typeface="+mn-ea"/>
+                <a:ea typeface="+mn-ea"/>
+              </a:rPr>
+              <a:t>적혀있는</a:t>
+            </a:r>
+            <a:r>
+              <a:rPr lang="ko-KR" altLang="en-US" sz="1200" dirty="0">
+                <a:latin typeface="+mn-ea"/>
+                <a:ea typeface="+mn-ea"/>
+              </a:rPr>
+              <a:t> 초 만큼 </a:t>
+            </a:r>
+            <a:r>
+              <a:rPr lang="ko-KR" altLang="en-US" sz="1200" dirty="0" err="1">
+                <a:latin typeface="+mn-ea"/>
+                <a:ea typeface="+mn-ea"/>
+              </a:rPr>
+              <a:t>디버프가</a:t>
+            </a:r>
+            <a:r>
+              <a:rPr lang="ko-KR" altLang="en-US" sz="1200" dirty="0">
+                <a:latin typeface="+mn-ea"/>
+                <a:ea typeface="+mn-ea"/>
+              </a:rPr>
+              <a:t> 지속 된다</a:t>
+            </a:r>
+            <a:r>
+              <a:rPr lang="en-US" altLang="ko-KR" sz="1200" dirty="0">
+                <a:latin typeface="+mn-ea"/>
+                <a:ea typeface="+mn-ea"/>
+              </a:rPr>
+              <a:t>.</a:t>
+            </a:r>
+          </a:p>
+          <a:p>
+            <a:pPr marL="171450" indent="-171450">
+              <a:lnSpc>
+                <a:spcPct val="150000"/>
+              </a:lnSpc>
+              <a:buFont typeface="Arial" panose="020B0604020202020204" pitchFamily="34" charset="0"/>
+              <a:buChar char="•"/>
+            </a:pPr>
+            <a:r>
+              <a:rPr lang="en-US" altLang="ko-KR" sz="1200" dirty="0" err="1">
+                <a:latin typeface="+mn-ea"/>
+                <a:ea typeface="+mn-ea"/>
+              </a:rPr>
+              <a:t>EffTurn</a:t>
+            </a:r>
+            <a:r>
+              <a:rPr lang="ko-KR" altLang="en-US" sz="1200" dirty="0">
+                <a:latin typeface="+mn-ea"/>
+                <a:ea typeface="+mn-ea"/>
+              </a:rPr>
+              <a:t>은 </a:t>
+            </a:r>
+            <a:r>
+              <a:rPr lang="ko-KR" altLang="en-US" sz="1200" dirty="0" err="1">
+                <a:latin typeface="+mn-ea"/>
+                <a:ea typeface="+mn-ea"/>
+              </a:rPr>
+              <a:t>디버프가</a:t>
+            </a:r>
+            <a:r>
+              <a:rPr lang="ko-KR" altLang="en-US" sz="1200" dirty="0">
+                <a:latin typeface="+mn-ea"/>
+                <a:ea typeface="+mn-ea"/>
+              </a:rPr>
+              <a:t> 지속되는 턴으로 보스 몬스터에게만 적용되며 효과를 받은 대상이 </a:t>
+            </a:r>
+            <a:r>
+              <a:rPr lang="en-US" altLang="ko-KR" sz="1200" dirty="0" err="1">
+                <a:latin typeface="+mn-ea"/>
+                <a:ea typeface="+mn-ea"/>
+              </a:rPr>
+              <a:t>EffTurn</a:t>
+            </a:r>
+            <a:r>
+              <a:rPr lang="ko-KR" altLang="en-US" sz="1200" dirty="0">
+                <a:latin typeface="+mn-ea"/>
+                <a:ea typeface="+mn-ea"/>
+              </a:rPr>
+              <a:t>에 </a:t>
+            </a:r>
+            <a:r>
+              <a:rPr lang="ko-KR" altLang="en-US" sz="1200" dirty="0" err="1">
+                <a:latin typeface="+mn-ea"/>
+                <a:ea typeface="+mn-ea"/>
+              </a:rPr>
+              <a:t>적혀있는</a:t>
+            </a:r>
+            <a:r>
+              <a:rPr lang="ko-KR" altLang="en-US" sz="1200" dirty="0">
+                <a:latin typeface="+mn-ea"/>
+                <a:ea typeface="+mn-ea"/>
+              </a:rPr>
+              <a:t> 턴만큼 </a:t>
+            </a:r>
+            <a:r>
+              <a:rPr lang="ko-KR" altLang="en-US" sz="1200" dirty="0" err="1">
+                <a:latin typeface="+mn-ea"/>
+                <a:ea typeface="+mn-ea"/>
+              </a:rPr>
+              <a:t>디버프가</a:t>
+            </a:r>
+            <a:r>
+              <a:rPr lang="ko-KR" altLang="en-US" sz="1200" dirty="0">
+                <a:latin typeface="+mn-ea"/>
+                <a:ea typeface="+mn-ea"/>
+              </a:rPr>
+              <a:t> 지속된다</a:t>
+            </a:r>
+            <a:r>
+              <a:rPr lang="en-US" altLang="ko-KR" sz="1200" dirty="0">
+                <a:latin typeface="+mn-ea"/>
+                <a:ea typeface="+mn-ea"/>
+              </a:rPr>
+              <a:t>. </a:t>
+            </a:r>
+          </a:p>
+          <a:p>
+            <a:pPr marL="171450" indent="-171450">
+              <a:lnSpc>
+                <a:spcPct val="150000"/>
+              </a:lnSpc>
+              <a:buFont typeface="Arial" panose="020B0604020202020204" pitchFamily="34" charset="0"/>
+              <a:buChar char="•"/>
+            </a:pPr>
+            <a:r>
+              <a:rPr lang="ko-KR" altLang="en-US" sz="1200" dirty="0" err="1">
+                <a:latin typeface="+mn-ea"/>
+                <a:ea typeface="+mn-ea"/>
+              </a:rPr>
+              <a:t>디버프가</a:t>
+            </a:r>
+            <a:r>
+              <a:rPr lang="ko-KR" altLang="en-US" sz="1200" dirty="0">
+                <a:latin typeface="+mn-ea"/>
+                <a:ea typeface="+mn-ea"/>
+              </a:rPr>
+              <a:t> </a:t>
+            </a:r>
+            <a:r>
+              <a:rPr lang="en-US" altLang="ko-KR" sz="1200" dirty="0" err="1">
+                <a:latin typeface="+mn-ea"/>
+                <a:ea typeface="+mn-ea"/>
+              </a:rPr>
+              <a:t>EffTime</a:t>
+            </a:r>
+            <a:r>
+              <a:rPr lang="ko-KR" altLang="en-US" sz="1200" dirty="0">
+                <a:latin typeface="+mn-ea"/>
+                <a:ea typeface="+mn-ea"/>
+              </a:rPr>
+              <a:t>과 </a:t>
+            </a:r>
+            <a:r>
+              <a:rPr lang="en-US" altLang="ko-KR" sz="1200" dirty="0" err="1">
+                <a:latin typeface="+mn-ea"/>
+                <a:ea typeface="+mn-ea"/>
+              </a:rPr>
+              <a:t>EffTurn</a:t>
+            </a:r>
+            <a:r>
+              <a:rPr lang="ko-KR" altLang="en-US" sz="1200" dirty="0">
+                <a:latin typeface="+mn-ea"/>
+                <a:ea typeface="+mn-ea"/>
+              </a:rPr>
+              <a:t>을 다 가지고 있을 경우 적용되는 대상에 따라 지속시간을 적용 한다</a:t>
+            </a:r>
+            <a:r>
+              <a:rPr lang="en-US" altLang="ko-KR" sz="1200" dirty="0">
+                <a:latin typeface="+mn-ea"/>
+                <a:ea typeface="+mn-ea"/>
+              </a:rPr>
+              <a:t>.</a:t>
+            </a:r>
+          </a:p>
+        </p:txBody>
+      </p:sp>
+      <p:sp>
+        <p:nvSpPr>
+          <p:cNvPr id="107" name="TextBox 106">
+            <a:extLst>
+              <a:ext uri="{FF2B5EF4-FFF2-40B4-BE49-F238E27FC236}">
+                <a16:creationId xmlns:a16="http://schemas.microsoft.com/office/drawing/2014/main" id="{3171B2DF-7DD3-E4CD-B4D9-A4DB9FE635CD}"/>
+              </a:ext>
+            </a:extLst>
+          </p:cNvPr>
+          <p:cNvSpPr txBox="1"/>
+          <p:nvPr/>
+        </p:nvSpPr>
+        <p:spPr>
+          <a:xfrm>
+            <a:off x="585536" y="4238664"/>
+            <a:ext cx="3655516" cy="333617"/>
+          </a:xfrm>
+          <a:prstGeom prst="rect">
+            <a:avLst/>
+          </a:prstGeom>
+          <a:noFill/>
+        </p:spPr>
+        <p:txBody>
+          <a:bodyPr wrap="square">
+            <a:spAutoFit/>
+          </a:bodyPr>
+          <a:lstStyle/>
+          <a:p>
+            <a:pPr>
+              <a:lnSpc>
+                <a:spcPct val="150000"/>
+              </a:lnSpc>
+            </a:pPr>
+            <a:r>
+              <a:rPr lang="ko-KR" altLang="en-US" sz="1200" b="1" dirty="0">
+                <a:latin typeface="+mn-ea"/>
+                <a:ea typeface="+mn-ea"/>
+              </a:rPr>
+              <a:t>버프 적용 방식</a:t>
+            </a:r>
+            <a:endParaRPr lang="en-US" altLang="ko-KR" sz="1200" dirty="0">
+              <a:latin typeface="+mn-ea"/>
+              <a:ea typeface="+mn-ea"/>
+            </a:endParaRPr>
+          </a:p>
+        </p:txBody>
+      </p:sp>
+      <p:pic>
+        <p:nvPicPr>
+          <p:cNvPr id="108" name="Google Shape;102;p2">
+            <a:extLst>
+              <a:ext uri="{FF2B5EF4-FFF2-40B4-BE49-F238E27FC236}">
+                <a16:creationId xmlns:a16="http://schemas.microsoft.com/office/drawing/2014/main" id="{B5B8AA08-B2B1-4485-D3CE-C673F4203D75}"/>
+              </a:ext>
+            </a:extLst>
+          </p:cNvPr>
+          <p:cNvPicPr preferRelativeResize="0"/>
+          <p:nvPr/>
+        </p:nvPicPr>
+        <p:blipFill rotWithShape="1">
+          <a:blip r:embed="rId5">
+            <a:alphaModFix/>
+          </a:blip>
+          <a:srcRect l="18260" t="11391" r="28492" b="35262"/>
+          <a:stretch/>
+        </p:blipFill>
+        <p:spPr>
+          <a:xfrm flipH="1">
+            <a:off x="4009764" y="4678630"/>
+            <a:ext cx="1251642" cy="1251642"/>
+          </a:xfrm>
+          <a:custGeom>
+            <a:avLst/>
+            <a:gdLst/>
+            <a:ahLst/>
+            <a:cxnLst/>
+            <a:rect l="l" t="t" r="r" b="b"/>
+            <a:pathLst>
+              <a:path w="2718522" h="2718522" extrusionOk="0">
+                <a:moveTo>
+                  <a:pt x="0" y="0"/>
+                </a:moveTo>
+                <a:lnTo>
+                  <a:pt x="2718522" y="0"/>
+                </a:lnTo>
+                <a:lnTo>
+                  <a:pt x="2718522" y="2718522"/>
+                </a:lnTo>
+                <a:lnTo>
+                  <a:pt x="0" y="2718522"/>
+                </a:lnTo>
+                <a:close/>
+              </a:path>
+            </a:pathLst>
+          </a:custGeom>
+          <a:noFill/>
+          <a:ln>
+            <a:noFill/>
+          </a:ln>
+        </p:spPr>
+      </p:pic>
+      <p:cxnSp>
+        <p:nvCxnSpPr>
+          <p:cNvPr id="109" name="Google Shape;104;p2">
+            <a:extLst>
+              <a:ext uri="{FF2B5EF4-FFF2-40B4-BE49-F238E27FC236}">
+                <a16:creationId xmlns:a16="http://schemas.microsoft.com/office/drawing/2014/main" id="{06F7B685-879E-3B7C-4789-1750713A4D88}"/>
+              </a:ext>
+            </a:extLst>
+          </p:cNvPr>
+          <p:cNvCxnSpPr>
+            <a:cxnSpLocks/>
+          </p:cNvCxnSpPr>
+          <p:nvPr/>
+        </p:nvCxnSpPr>
+        <p:spPr>
+          <a:xfrm flipV="1">
+            <a:off x="2517084" y="5315925"/>
+            <a:ext cx="1944812" cy="116793"/>
+          </a:xfrm>
+          <a:prstGeom prst="straightConnector1">
+            <a:avLst/>
+          </a:prstGeom>
+          <a:noFill/>
+          <a:ln w="38100" cap="flat" cmpd="sng">
+            <a:solidFill>
+              <a:srgbClr val="FF0000"/>
+            </a:solidFill>
+            <a:prstDash val="solid"/>
+            <a:miter lim="800000"/>
+            <a:headEnd type="triangle" w="sm" len="sm"/>
+            <a:tailEnd type="none" w="med" len="med"/>
+          </a:ln>
+        </p:spPr>
+      </p:cxnSp>
+      <p:cxnSp>
+        <p:nvCxnSpPr>
+          <p:cNvPr id="110" name="Google Shape;105;p2">
+            <a:extLst>
+              <a:ext uri="{FF2B5EF4-FFF2-40B4-BE49-F238E27FC236}">
+                <a16:creationId xmlns:a16="http://schemas.microsoft.com/office/drawing/2014/main" id="{5B5AA79B-2B90-F8C0-CE88-979F3A7B6A69}"/>
+              </a:ext>
+            </a:extLst>
+          </p:cNvPr>
+          <p:cNvCxnSpPr>
+            <a:cxnSpLocks/>
+          </p:cNvCxnSpPr>
+          <p:nvPr/>
+        </p:nvCxnSpPr>
+        <p:spPr>
+          <a:xfrm flipH="1" flipV="1">
+            <a:off x="4778356" y="5304451"/>
+            <a:ext cx="2092138" cy="72885"/>
+          </a:xfrm>
+          <a:prstGeom prst="straightConnector1">
+            <a:avLst/>
+          </a:prstGeom>
+          <a:noFill/>
+          <a:ln w="38100" cap="flat" cmpd="sng">
+            <a:solidFill>
+              <a:srgbClr val="FFC000"/>
+            </a:solidFill>
+            <a:prstDash val="solid"/>
+            <a:miter lim="800000"/>
+            <a:headEnd type="triangle" w="sm" len="sm"/>
+            <a:tailEnd type="none" w="med" len="med"/>
+          </a:ln>
+        </p:spPr>
+      </p:cxnSp>
+      <p:sp>
+        <p:nvSpPr>
+          <p:cNvPr id="111" name="Google Shape;117;p2">
+            <a:extLst>
+              <a:ext uri="{FF2B5EF4-FFF2-40B4-BE49-F238E27FC236}">
+                <a16:creationId xmlns:a16="http://schemas.microsoft.com/office/drawing/2014/main" id="{43C80CBB-CC38-8903-538A-19447F43EB21}"/>
+              </a:ext>
+            </a:extLst>
+          </p:cNvPr>
+          <p:cNvSpPr txBox="1"/>
+          <p:nvPr/>
+        </p:nvSpPr>
+        <p:spPr>
+          <a:xfrm>
+            <a:off x="1185422" y="5811019"/>
+            <a:ext cx="2031899" cy="646290"/>
+          </a:xfrm>
+          <a:prstGeom prst="rect">
+            <a:avLst/>
+          </a:prstGeom>
+          <a:noFill/>
+          <a:ln>
+            <a:noFill/>
+          </a:ln>
+        </p:spPr>
+        <p:txBody>
+          <a:bodyPr spcFirstLastPara="1" wrap="square" lIns="91425" tIns="45700" rIns="91425" bIns="45700" anchor="t" anchorCtr="0">
+            <a:spAutoFit/>
+          </a:bodyPr>
+          <a:lstStyle/>
+          <a:p>
+            <a:pPr marL="0" marR="0" lvl="0" indent="0" rtl="0">
+              <a:spcBef>
+                <a:spcPts val="0"/>
+              </a:spcBef>
+              <a:spcAft>
+                <a:spcPts val="0"/>
+              </a:spcAft>
+              <a:buNone/>
+            </a:pPr>
+            <a:r>
+              <a:rPr lang="en-US" altLang="ko-KR" sz="1200" dirty="0">
+                <a:solidFill>
+                  <a:schemeClr val="dk1"/>
+                </a:solidFill>
+                <a:latin typeface="Malgun Gothic"/>
+                <a:ea typeface="Malgun Gothic"/>
+                <a:cs typeface="Malgun Gothic"/>
+                <a:sym typeface="Malgun Gothic"/>
+              </a:rPr>
+              <a:t>110 : 3</a:t>
+            </a:r>
+            <a:r>
+              <a:rPr lang="ko-KR" altLang="en-US" sz="1200" dirty="0">
+                <a:solidFill>
+                  <a:schemeClr val="dk1"/>
+                </a:solidFill>
+                <a:latin typeface="Malgun Gothic"/>
+                <a:ea typeface="Malgun Gothic"/>
+                <a:cs typeface="Malgun Gothic"/>
+                <a:sym typeface="Malgun Gothic"/>
+              </a:rPr>
+              <a:t>초간 스턴</a:t>
+            </a:r>
+            <a:endParaRPr lang="en-US" altLang="ko-KR" sz="1200" dirty="0">
+              <a:solidFill>
+                <a:schemeClr val="dk1"/>
+              </a:solidFill>
+              <a:latin typeface="Malgun Gothic"/>
+              <a:ea typeface="Malgun Gothic"/>
+              <a:cs typeface="Malgun Gothic"/>
+              <a:sym typeface="Malgun Gothic"/>
+            </a:endParaRPr>
+          </a:p>
+          <a:p>
+            <a:pPr marL="0" marR="0" lvl="0" indent="0" rtl="0">
+              <a:spcBef>
+                <a:spcPts val="0"/>
+              </a:spcBef>
+              <a:spcAft>
+                <a:spcPts val="0"/>
+              </a:spcAft>
+              <a:buNone/>
+            </a:pPr>
+            <a:r>
+              <a:rPr lang="en-US" sz="1200" dirty="0">
+                <a:solidFill>
+                  <a:schemeClr val="dk1"/>
+                </a:solidFill>
+                <a:latin typeface="Malgun Gothic"/>
+                <a:ea typeface="Malgun Gothic"/>
+                <a:cs typeface="Malgun Gothic"/>
+                <a:sym typeface="Malgun Gothic"/>
+              </a:rPr>
+              <a:t>111 : </a:t>
+            </a:r>
+            <a:r>
+              <a:rPr lang="ko-KR" altLang="en-US" sz="1200" dirty="0" err="1">
+                <a:solidFill>
+                  <a:schemeClr val="dk1"/>
+                </a:solidFill>
+                <a:latin typeface="Malgun Gothic"/>
+                <a:ea typeface="Malgun Gothic"/>
+                <a:cs typeface="Malgun Gothic"/>
+                <a:sym typeface="Malgun Gothic"/>
+              </a:rPr>
+              <a:t>디버프</a:t>
+            </a:r>
+            <a:r>
+              <a:rPr lang="ko-KR" altLang="en-US" sz="1200" dirty="0">
+                <a:solidFill>
+                  <a:schemeClr val="dk1"/>
+                </a:solidFill>
+                <a:latin typeface="Malgun Gothic"/>
+                <a:ea typeface="Malgun Gothic"/>
+                <a:cs typeface="Malgun Gothic"/>
+                <a:sym typeface="Malgun Gothic"/>
+              </a:rPr>
+              <a:t> </a:t>
+            </a:r>
+            <a:r>
+              <a:rPr lang="en-US" altLang="ko-KR" sz="1200" dirty="0">
+                <a:solidFill>
+                  <a:schemeClr val="dk1"/>
+                </a:solidFill>
+                <a:latin typeface="Malgun Gothic"/>
+                <a:ea typeface="Malgun Gothic"/>
+                <a:cs typeface="Malgun Gothic"/>
+                <a:sym typeface="Malgun Gothic"/>
+              </a:rPr>
+              <a:t>X</a:t>
+            </a:r>
+          </a:p>
+          <a:p>
+            <a:pPr marL="0" marR="0" lvl="0" indent="0" rtl="0">
+              <a:spcBef>
+                <a:spcPts val="0"/>
+              </a:spcBef>
+              <a:spcAft>
+                <a:spcPts val="0"/>
+              </a:spcAft>
+              <a:buNone/>
+            </a:pPr>
+            <a:r>
+              <a:rPr lang="en-US" sz="1200" dirty="0">
+                <a:solidFill>
+                  <a:schemeClr val="dk1"/>
+                </a:solidFill>
+                <a:latin typeface="Malgun Gothic"/>
+                <a:ea typeface="Malgun Gothic"/>
+                <a:cs typeface="Malgun Gothic"/>
+                <a:sym typeface="Malgun Gothic"/>
+              </a:rPr>
+              <a:t>112 : 12</a:t>
+            </a:r>
+            <a:r>
+              <a:rPr lang="ko-KR" altLang="en-US" sz="1200" dirty="0">
+                <a:solidFill>
+                  <a:schemeClr val="dk1"/>
+                </a:solidFill>
+                <a:latin typeface="Malgun Gothic"/>
+                <a:ea typeface="Malgun Gothic"/>
+                <a:cs typeface="Malgun Gothic"/>
+                <a:sym typeface="Malgun Gothic"/>
+              </a:rPr>
+              <a:t>초간 </a:t>
+            </a:r>
+            <a:r>
+              <a:rPr lang="ko-KR" altLang="en-US" sz="1200" dirty="0" err="1">
+                <a:solidFill>
+                  <a:schemeClr val="dk1"/>
+                </a:solidFill>
+                <a:latin typeface="Malgun Gothic"/>
+                <a:ea typeface="Malgun Gothic"/>
+                <a:cs typeface="Malgun Gothic"/>
+                <a:sym typeface="Malgun Gothic"/>
+              </a:rPr>
+              <a:t>독데미지</a:t>
+            </a:r>
+            <a:endParaRPr sz="1200" dirty="0">
+              <a:solidFill>
+                <a:schemeClr val="dk1"/>
+              </a:solidFill>
+              <a:latin typeface="Malgun Gothic"/>
+              <a:ea typeface="Malgun Gothic"/>
+              <a:cs typeface="Malgun Gothic"/>
+              <a:sym typeface="Malgun Gothic"/>
+            </a:endParaRPr>
+          </a:p>
+        </p:txBody>
+      </p:sp>
+      <p:sp>
+        <p:nvSpPr>
+          <p:cNvPr id="113" name="Google Shape;117;p2">
+            <a:extLst>
+              <a:ext uri="{FF2B5EF4-FFF2-40B4-BE49-F238E27FC236}">
+                <a16:creationId xmlns:a16="http://schemas.microsoft.com/office/drawing/2014/main" id="{23A7E07F-E4EC-C1E4-0F4B-C58C8EFDCD37}"/>
+              </a:ext>
+            </a:extLst>
+          </p:cNvPr>
+          <p:cNvSpPr txBox="1"/>
+          <p:nvPr/>
+        </p:nvSpPr>
+        <p:spPr>
+          <a:xfrm>
+            <a:off x="3389114" y="4421540"/>
+            <a:ext cx="2406964" cy="276959"/>
+          </a:xfrm>
+          <a:prstGeom prst="rect">
+            <a:avLst/>
+          </a:prstGeom>
+          <a:noFill/>
+          <a:ln>
+            <a:noFill/>
+          </a:ln>
+        </p:spPr>
+        <p:txBody>
+          <a:bodyPr spcFirstLastPara="1" wrap="square" lIns="91425" tIns="45700" rIns="91425" bIns="45700" anchor="t" anchorCtr="0">
+            <a:spAutoFit/>
+          </a:bodyPr>
+          <a:lstStyle/>
+          <a:p>
+            <a:pPr marL="0" marR="0" lvl="0" indent="0" algn="ctr" rtl="0">
+              <a:spcBef>
+                <a:spcPts val="0"/>
+              </a:spcBef>
+              <a:spcAft>
+                <a:spcPts val="0"/>
+              </a:spcAft>
+              <a:buNone/>
+            </a:pPr>
+            <a:r>
+              <a:rPr lang="ko-KR" altLang="en-US" sz="1200" dirty="0" err="1">
+                <a:solidFill>
+                  <a:schemeClr val="dk1"/>
+                </a:solidFill>
+                <a:latin typeface="Malgun Gothic"/>
+                <a:ea typeface="Malgun Gothic"/>
+                <a:cs typeface="Malgun Gothic"/>
+                <a:sym typeface="Malgun Gothic"/>
+              </a:rPr>
+              <a:t>디버프</a:t>
+            </a:r>
+            <a:r>
+              <a:rPr lang="ko-KR" altLang="en-US" sz="1200" dirty="0">
+                <a:solidFill>
+                  <a:schemeClr val="dk1"/>
+                </a:solidFill>
+                <a:latin typeface="Malgun Gothic"/>
+                <a:ea typeface="Malgun Gothic"/>
+                <a:cs typeface="Malgun Gothic"/>
+                <a:sym typeface="Malgun Gothic"/>
+              </a:rPr>
+              <a:t> 사용 </a:t>
+            </a:r>
+            <a:r>
+              <a:rPr lang="en-US" altLang="ko-KR" sz="1200" dirty="0">
+                <a:solidFill>
+                  <a:schemeClr val="dk1"/>
+                </a:solidFill>
+                <a:latin typeface="Malgun Gothic"/>
+                <a:ea typeface="Malgun Gothic"/>
+                <a:cs typeface="Malgun Gothic"/>
+                <a:sym typeface="Malgun Gothic"/>
+              </a:rPr>
+              <a:t>[110, 111, 112]</a:t>
+            </a:r>
+            <a:endParaRPr sz="1200" dirty="0">
+              <a:solidFill>
+                <a:schemeClr val="dk1"/>
+              </a:solidFill>
+              <a:latin typeface="Malgun Gothic"/>
+              <a:ea typeface="Malgun Gothic"/>
+              <a:cs typeface="Malgun Gothic"/>
+              <a:sym typeface="Malgun Gothic"/>
+            </a:endParaRPr>
+          </a:p>
+        </p:txBody>
+      </p:sp>
+      <p:sp>
+        <p:nvSpPr>
+          <p:cNvPr id="4" name="Google Shape;117;p2">
+            <a:extLst>
+              <a:ext uri="{FF2B5EF4-FFF2-40B4-BE49-F238E27FC236}">
+                <a16:creationId xmlns:a16="http://schemas.microsoft.com/office/drawing/2014/main" id="{9B08B5E7-D7EE-6A7C-C395-DCF65347843C}"/>
+              </a:ext>
+            </a:extLst>
+          </p:cNvPr>
+          <p:cNvSpPr txBox="1"/>
+          <p:nvPr/>
+        </p:nvSpPr>
+        <p:spPr>
+          <a:xfrm>
+            <a:off x="5982705" y="5811019"/>
+            <a:ext cx="2031899" cy="646290"/>
+          </a:xfrm>
+          <a:prstGeom prst="rect">
+            <a:avLst/>
+          </a:prstGeom>
+          <a:noFill/>
+          <a:ln>
+            <a:noFill/>
+          </a:ln>
+        </p:spPr>
+        <p:txBody>
+          <a:bodyPr spcFirstLastPara="1" wrap="square" lIns="91425" tIns="45700" rIns="91425" bIns="45700" anchor="t" anchorCtr="0">
+            <a:spAutoFit/>
+          </a:bodyPr>
+          <a:lstStyle/>
+          <a:p>
+            <a:pPr marL="0" marR="0" lvl="0" indent="0" rtl="0">
+              <a:spcBef>
+                <a:spcPts val="0"/>
+              </a:spcBef>
+              <a:spcAft>
+                <a:spcPts val="0"/>
+              </a:spcAft>
+              <a:buNone/>
+            </a:pPr>
+            <a:r>
+              <a:rPr lang="en-US" altLang="ko-KR" sz="1200" dirty="0">
+                <a:solidFill>
+                  <a:schemeClr val="dk1"/>
+                </a:solidFill>
+                <a:latin typeface="Malgun Gothic"/>
+                <a:ea typeface="Malgun Gothic"/>
+                <a:cs typeface="Malgun Gothic"/>
+                <a:sym typeface="Malgun Gothic"/>
+              </a:rPr>
+              <a:t>110 : </a:t>
+            </a:r>
+            <a:r>
+              <a:rPr lang="ko-KR" altLang="en-US" sz="1200" dirty="0" err="1">
+                <a:solidFill>
+                  <a:schemeClr val="dk1"/>
+                </a:solidFill>
+                <a:latin typeface="Malgun Gothic"/>
+                <a:ea typeface="Malgun Gothic"/>
+                <a:cs typeface="Malgun Gothic"/>
+                <a:sym typeface="Malgun Gothic"/>
+              </a:rPr>
+              <a:t>디버프</a:t>
+            </a:r>
+            <a:r>
+              <a:rPr lang="ko-KR" altLang="en-US" sz="1200" dirty="0">
+                <a:solidFill>
+                  <a:schemeClr val="dk1"/>
+                </a:solidFill>
+                <a:latin typeface="Malgun Gothic"/>
+                <a:ea typeface="Malgun Gothic"/>
+                <a:cs typeface="Malgun Gothic"/>
+                <a:sym typeface="Malgun Gothic"/>
+              </a:rPr>
+              <a:t> </a:t>
+            </a:r>
+            <a:r>
+              <a:rPr lang="en-US" altLang="ko-KR" sz="1200" dirty="0">
+                <a:solidFill>
+                  <a:schemeClr val="dk1"/>
+                </a:solidFill>
+                <a:latin typeface="Malgun Gothic"/>
+                <a:ea typeface="Malgun Gothic"/>
+                <a:cs typeface="Malgun Gothic"/>
+                <a:sym typeface="Malgun Gothic"/>
+              </a:rPr>
+              <a:t>X</a:t>
+            </a:r>
+          </a:p>
+          <a:p>
+            <a:pPr marL="0" marR="0" lvl="0" indent="0" rtl="0">
+              <a:spcBef>
+                <a:spcPts val="0"/>
+              </a:spcBef>
+              <a:spcAft>
+                <a:spcPts val="0"/>
+              </a:spcAft>
+              <a:buNone/>
+            </a:pPr>
+            <a:r>
+              <a:rPr lang="en-US" sz="1200" dirty="0">
+                <a:solidFill>
+                  <a:schemeClr val="dk1"/>
+                </a:solidFill>
+                <a:latin typeface="Malgun Gothic"/>
+                <a:ea typeface="Malgun Gothic"/>
+                <a:cs typeface="Malgun Gothic"/>
+                <a:sym typeface="Malgun Gothic"/>
+              </a:rPr>
+              <a:t>111 : 1</a:t>
+            </a:r>
+            <a:r>
+              <a:rPr lang="ko-KR" altLang="en-US" sz="1200" dirty="0">
+                <a:solidFill>
+                  <a:schemeClr val="dk1"/>
+                </a:solidFill>
+                <a:latin typeface="Malgun Gothic"/>
+                <a:ea typeface="Malgun Gothic"/>
+                <a:cs typeface="Malgun Gothic"/>
+                <a:sym typeface="Malgun Gothic"/>
+              </a:rPr>
+              <a:t>턴 스턴 </a:t>
+            </a:r>
+            <a:endParaRPr lang="en-US" altLang="ko-KR" sz="1200" dirty="0">
+              <a:solidFill>
+                <a:schemeClr val="dk1"/>
+              </a:solidFill>
+              <a:latin typeface="Malgun Gothic"/>
+              <a:ea typeface="Malgun Gothic"/>
+              <a:cs typeface="Malgun Gothic"/>
+              <a:sym typeface="Malgun Gothic"/>
+            </a:endParaRPr>
+          </a:p>
+          <a:p>
+            <a:pPr marL="0" marR="0" lvl="0" indent="0" rtl="0">
+              <a:spcBef>
+                <a:spcPts val="0"/>
+              </a:spcBef>
+              <a:spcAft>
+                <a:spcPts val="0"/>
+              </a:spcAft>
+              <a:buNone/>
+            </a:pPr>
+            <a:r>
+              <a:rPr lang="en-US" sz="1200" dirty="0">
+                <a:solidFill>
+                  <a:schemeClr val="dk1"/>
+                </a:solidFill>
+                <a:latin typeface="Malgun Gothic"/>
+                <a:ea typeface="Malgun Gothic"/>
+                <a:cs typeface="Malgun Gothic"/>
+                <a:sym typeface="Malgun Gothic"/>
+              </a:rPr>
+              <a:t>112 : 3 </a:t>
+            </a:r>
+            <a:r>
+              <a:rPr lang="ko-KR" altLang="en-US" sz="1200" dirty="0">
+                <a:solidFill>
+                  <a:schemeClr val="dk1"/>
+                </a:solidFill>
+                <a:latin typeface="Malgun Gothic"/>
+                <a:ea typeface="Malgun Gothic"/>
+                <a:cs typeface="Malgun Gothic"/>
+                <a:sym typeface="Malgun Gothic"/>
+              </a:rPr>
+              <a:t>턴간 독 데미지</a:t>
+            </a:r>
+            <a:endParaRPr sz="1200" dirty="0">
+              <a:solidFill>
+                <a:schemeClr val="dk1"/>
+              </a:solidFill>
+              <a:latin typeface="Malgun Gothic"/>
+              <a:ea typeface="Malgun Gothic"/>
+              <a:cs typeface="Malgun Gothic"/>
+              <a:sym typeface="Malgun Gothic"/>
+            </a:endParaRPr>
+          </a:p>
+        </p:txBody>
+      </p:sp>
+      <p:sp>
+        <p:nvSpPr>
+          <p:cNvPr id="5" name="TextBox 4">
+            <a:extLst>
+              <a:ext uri="{FF2B5EF4-FFF2-40B4-BE49-F238E27FC236}">
+                <a16:creationId xmlns:a16="http://schemas.microsoft.com/office/drawing/2014/main" id="{45F5F8B6-7A66-0AD1-D68A-AA77D4B25E05}"/>
+              </a:ext>
+            </a:extLst>
+          </p:cNvPr>
+          <p:cNvSpPr txBox="1"/>
+          <p:nvPr/>
+        </p:nvSpPr>
+        <p:spPr>
+          <a:xfrm>
+            <a:off x="1460707" y="4522372"/>
+            <a:ext cx="1251641" cy="333617"/>
+          </a:xfrm>
+          <a:prstGeom prst="rect">
+            <a:avLst/>
+          </a:prstGeom>
+          <a:noFill/>
+        </p:spPr>
+        <p:txBody>
+          <a:bodyPr wrap="square">
+            <a:spAutoFit/>
+          </a:bodyPr>
+          <a:lstStyle/>
+          <a:p>
+            <a:pPr algn="ctr">
+              <a:lnSpc>
+                <a:spcPct val="150000"/>
+              </a:lnSpc>
+            </a:pPr>
+            <a:r>
+              <a:rPr lang="ko-KR" altLang="en-US" sz="1200" b="1">
+                <a:latin typeface="+mn-ea"/>
+                <a:ea typeface="+mn-ea"/>
+              </a:rPr>
+              <a:t>쫄몹</a:t>
+            </a:r>
+            <a:endParaRPr lang="en-US" altLang="ko-KR" sz="1200" dirty="0">
+              <a:latin typeface="+mn-ea"/>
+              <a:ea typeface="+mn-ea"/>
+            </a:endParaRPr>
+          </a:p>
+        </p:txBody>
+      </p:sp>
+      <p:sp>
+        <p:nvSpPr>
+          <p:cNvPr id="6" name="TextBox 5">
+            <a:extLst>
+              <a:ext uri="{FF2B5EF4-FFF2-40B4-BE49-F238E27FC236}">
+                <a16:creationId xmlns:a16="http://schemas.microsoft.com/office/drawing/2014/main" id="{E5813D77-9BE9-163D-4241-347C1E4C086E}"/>
+              </a:ext>
+            </a:extLst>
+          </p:cNvPr>
+          <p:cNvSpPr txBox="1"/>
+          <p:nvPr/>
+        </p:nvSpPr>
+        <p:spPr>
+          <a:xfrm>
+            <a:off x="6134789" y="4477547"/>
+            <a:ext cx="1251641" cy="333617"/>
+          </a:xfrm>
+          <a:prstGeom prst="rect">
+            <a:avLst/>
+          </a:prstGeom>
+          <a:noFill/>
+        </p:spPr>
+        <p:txBody>
+          <a:bodyPr wrap="square">
+            <a:spAutoFit/>
+          </a:bodyPr>
+          <a:lstStyle/>
+          <a:p>
+            <a:pPr algn="ctr">
+              <a:lnSpc>
+                <a:spcPct val="150000"/>
+              </a:lnSpc>
+            </a:pPr>
+            <a:r>
+              <a:rPr lang="ko-KR" altLang="en-US" sz="1200" b="1" dirty="0">
+                <a:latin typeface="+mn-ea"/>
+                <a:ea typeface="+mn-ea"/>
+              </a:rPr>
+              <a:t>보스</a:t>
+            </a:r>
+            <a:endParaRPr lang="en-US" altLang="ko-KR" sz="1200" dirty="0">
+              <a:latin typeface="+mn-ea"/>
+              <a:ea typeface="+mn-ea"/>
+            </a:endParaRPr>
+          </a:p>
+        </p:txBody>
+      </p:sp>
+    </p:spTree>
+    <p:extLst>
+      <p:ext uri="{BB962C8B-B14F-4D97-AF65-F5344CB8AC3E}">
+        <p14:creationId xmlns:p14="http://schemas.microsoft.com/office/powerpoint/2010/main" val="1626207645"/>
+      </p:ext>
+    </p:extLst>
+  </p:cSld>
+  <p:clrMapOvr>
+    <a:masterClrMapping/>
+  </p:clrMapOvr>
+</p:sld>
+</file>
+
+<file path=ppt/slides/slide4.xml><?xml version="1.0" encoding="utf-8"?>
+<p:sld xmlns:a="http://schemas.openxmlformats.org/drawingml/2006/main" xmlns:r="http://schemas.openxmlformats.org/officeDocument/2006/relationships" xmlns:p="http://schemas.openxmlformats.org/presentationml/2006/main">
+  <p:cSld>
+    <p:spTree>
+      <p:nvGrpSpPr>
+        <p:cNvPr id="1" name="Shape 116"/>
+        <p:cNvGrpSpPr/>
+        <p:nvPr/>
+      </p:nvGrpSpPr>
+      <p:grpSpPr>
+        <a:xfrm>
+          <a:off x="0" y="0"/>
+          <a:ext cx="0" cy="0"/>
+          <a:chOff x="0" y="0"/>
+          <a:chExt cx="0" cy="0"/>
+        </a:xfrm>
+      </p:grpSpPr>
+      <p:sp>
+        <p:nvSpPr>
+          <p:cNvPr id="117" name="Google Shape;117;p3"/>
+          <p:cNvSpPr txBox="1">
+            <a:spLocks noGrp="1"/>
+          </p:cNvSpPr>
+          <p:nvPr>
+            <p:ph type="title"/>
+          </p:nvPr>
+        </p:nvSpPr>
+        <p:spPr>
+          <a:xfrm>
+            <a:off x="838200" y="365125"/>
+            <a:ext cx="10515600" cy="1325563"/>
+          </a:xfrm>
+          <a:prstGeom prst="rect">
+            <a:avLst/>
+          </a:prstGeom>
+          <a:noFill/>
+          <a:ln>
+            <a:noFill/>
+          </a:ln>
+        </p:spPr>
+        <p:txBody>
+          <a:bodyPr spcFirstLastPara="1" wrap="square" lIns="91425" tIns="45700" rIns="91425" bIns="45700" anchor="ctr" anchorCtr="0">
+            <a:normAutofit/>
+          </a:bodyPr>
+          <a:lstStyle/>
+          <a:p>
+            <a:pPr marL="0" lvl="0" indent="0" algn="l" rtl="0">
+              <a:lnSpc>
+                <a:spcPct val="90000"/>
+              </a:lnSpc>
+              <a:spcBef>
+                <a:spcPts val="0"/>
+              </a:spcBef>
+              <a:spcAft>
+                <a:spcPts val="0"/>
+              </a:spcAft>
+              <a:buClr>
+                <a:schemeClr val="dk1"/>
+              </a:buClr>
+              <a:buSzPts val="4400"/>
+              <a:buFont typeface="Malgun Gothic"/>
+              <a:buNone/>
+            </a:pPr>
+            <a:r>
+              <a:rPr lang="ko-KR" altLang="en-US" dirty="0"/>
+              <a:t>버프 </a:t>
+            </a:r>
+            <a:r>
+              <a:rPr lang="ko-KR" altLang="en-US" dirty="0" err="1"/>
+              <a:t>디버프</a:t>
+            </a:r>
+            <a:r>
+              <a:rPr lang="ko-KR" altLang="en-US" dirty="0"/>
+              <a:t> 적용</a:t>
+            </a:r>
+          </a:p>
+        </p:txBody>
+      </p:sp>
+      <p:grpSp>
+        <p:nvGrpSpPr>
+          <p:cNvPr id="119" name="Google Shape;119;p3"/>
+          <p:cNvGrpSpPr/>
+          <p:nvPr/>
+        </p:nvGrpSpPr>
+        <p:grpSpPr>
+          <a:xfrm>
+            <a:off x="358525" y="1486615"/>
+            <a:ext cx="11632320" cy="5017829"/>
+            <a:chOff x="358525" y="1486615"/>
+            <a:chExt cx="11632320" cy="5017829"/>
+          </a:xfrm>
+        </p:grpSpPr>
+        <p:cxnSp>
+          <p:nvCxnSpPr>
+            <p:cNvPr id="120" name="Google Shape;120;p3"/>
+            <p:cNvCxnSpPr/>
+            <p:nvPr/>
+          </p:nvCxnSpPr>
+          <p:spPr>
+            <a:xfrm>
+              <a:off x="609600" y="1510747"/>
+              <a:ext cx="11184835" cy="0"/>
+            </a:xfrm>
+            <a:prstGeom prst="straightConnector1">
+              <a:avLst/>
+            </a:prstGeom>
+            <a:noFill/>
+            <a:ln w="28575" cap="flat" cmpd="sng">
+              <a:solidFill>
+                <a:schemeClr val="dk1"/>
+              </a:solidFill>
+              <a:prstDash val="solid"/>
+              <a:miter lim="800000"/>
+              <a:headEnd type="none" w="sm" len="sm"/>
+              <a:tailEnd type="none" w="sm" len="sm"/>
+            </a:ln>
+          </p:spPr>
+        </p:cxnSp>
+        <p:cxnSp>
+          <p:nvCxnSpPr>
+            <p:cNvPr id="121" name="Google Shape;121;p3"/>
+            <p:cNvCxnSpPr/>
+            <p:nvPr/>
+          </p:nvCxnSpPr>
+          <p:spPr>
+            <a:xfrm>
+              <a:off x="609600" y="6480312"/>
+              <a:ext cx="11184835" cy="0"/>
+            </a:xfrm>
+            <a:prstGeom prst="straightConnector1">
+              <a:avLst/>
+            </a:prstGeom>
+            <a:noFill/>
+            <a:ln w="28575" cap="flat" cmpd="sng">
+              <a:solidFill>
+                <a:schemeClr val="dk1"/>
+              </a:solidFill>
+              <a:prstDash val="solid"/>
+              <a:miter lim="800000"/>
+              <a:headEnd type="none" w="sm" len="sm"/>
+              <a:tailEnd type="none" w="sm" len="sm"/>
+            </a:ln>
+          </p:spPr>
+        </p:cxnSp>
+        <p:cxnSp>
+          <p:nvCxnSpPr>
+            <p:cNvPr id="122" name="Google Shape;122;p3"/>
+            <p:cNvCxnSpPr/>
+            <p:nvPr/>
+          </p:nvCxnSpPr>
+          <p:spPr>
+            <a:xfrm>
+              <a:off x="384313" y="1690688"/>
+              <a:ext cx="0" cy="4590842"/>
+            </a:xfrm>
+            <a:prstGeom prst="straightConnector1">
+              <a:avLst/>
+            </a:prstGeom>
+            <a:noFill/>
+            <a:ln w="28575" cap="flat" cmpd="sng">
+              <a:solidFill>
+                <a:schemeClr val="dk1"/>
+              </a:solidFill>
+              <a:prstDash val="solid"/>
+              <a:miter lim="800000"/>
+              <a:headEnd type="none" w="sm" len="sm"/>
+              <a:tailEnd type="none" w="sm" len="sm"/>
+            </a:ln>
+          </p:spPr>
+        </p:cxnSp>
+        <p:cxnSp>
+          <p:nvCxnSpPr>
+            <p:cNvPr id="123" name="Google Shape;123;p3"/>
+            <p:cNvCxnSpPr/>
+            <p:nvPr/>
+          </p:nvCxnSpPr>
+          <p:spPr>
+            <a:xfrm>
+              <a:off x="11966713" y="1690688"/>
+              <a:ext cx="0" cy="4590842"/>
+            </a:xfrm>
+            <a:prstGeom prst="straightConnector1">
+              <a:avLst/>
+            </a:prstGeom>
+            <a:noFill/>
+            <a:ln w="28575" cap="flat" cmpd="sng">
+              <a:solidFill>
+                <a:schemeClr val="dk1"/>
+              </a:solidFill>
+              <a:prstDash val="solid"/>
+              <a:miter lim="800000"/>
+              <a:headEnd type="none" w="sm" len="sm"/>
+              <a:tailEnd type="none" w="sm" len="sm"/>
+            </a:ln>
+          </p:spPr>
+        </p:cxnSp>
+        <p:sp>
+          <p:nvSpPr>
+            <p:cNvPr id="124" name="Google Shape;124;p3"/>
+            <p:cNvSpPr/>
+            <p:nvPr/>
+          </p:nvSpPr>
+          <p:spPr>
+            <a:xfrm rot="10800000" flipH="1">
+              <a:off x="11942581" y="6456180"/>
+              <a:ext cx="48264" cy="48264"/>
+            </a:xfrm>
+            <a:prstGeom prst="ellipse">
+              <a:avLst/>
+            </a:prstGeom>
+            <a:solidFill>
+              <a:schemeClr val="dk1"/>
+            </a:solidFill>
+            <a:ln w="12700" cap="flat" cmpd="sng">
+              <a:solidFill>
+                <a:schemeClr val="dk1"/>
+              </a:solidFill>
+              <a:prstDash val="solid"/>
+              <a:miter lim="800000"/>
+              <a:headEnd type="none" w="sm" len="sm"/>
+              <a:tailEnd type="none" w="sm" len="sm"/>
+            </a:ln>
+          </p:spPr>
+          <p:txBody>
+            <a:bodyPr spcFirstLastPara="1" wrap="square" lIns="91425" tIns="45700" rIns="91425" bIns="45700" anchor="ctr" anchorCtr="0">
+              <a:noAutofit/>
+            </a:bodyPr>
+            <a:lstStyle/>
+            <a:p>
+              <a:pPr marL="0" marR="0" lvl="0" indent="0" algn="ctr" rtl="0">
+                <a:spcBef>
+                  <a:spcPts val="0"/>
+                </a:spcBef>
+                <a:spcAft>
+                  <a:spcPts val="0"/>
+                </a:spcAft>
+                <a:buNone/>
+              </a:pPr>
+              <a:endParaRPr sz="1800" b="0" i="0" u="none" strike="noStrike" cap="none">
+                <a:solidFill>
+                  <a:schemeClr val="lt1"/>
+                </a:solidFill>
+                <a:latin typeface="Malgun Gothic"/>
+                <a:ea typeface="Malgun Gothic"/>
+                <a:cs typeface="Malgun Gothic"/>
+                <a:sym typeface="Malgun Gothic"/>
+              </a:endParaRPr>
+            </a:p>
+          </p:txBody>
+        </p:sp>
+        <p:sp>
+          <p:nvSpPr>
+            <p:cNvPr id="125" name="Google Shape;125;p3"/>
+            <p:cNvSpPr/>
+            <p:nvPr/>
+          </p:nvSpPr>
+          <p:spPr>
+            <a:xfrm rot="10800000" flipH="1">
+              <a:off x="358525" y="1486615"/>
+              <a:ext cx="48264" cy="48264"/>
+            </a:xfrm>
+            <a:prstGeom prst="ellipse">
+              <a:avLst/>
+            </a:prstGeom>
+            <a:solidFill>
+              <a:schemeClr val="dk1"/>
+            </a:solidFill>
+            <a:ln w="12700" cap="flat" cmpd="sng">
+              <a:solidFill>
+                <a:schemeClr val="dk1"/>
+              </a:solidFill>
+              <a:prstDash val="solid"/>
+              <a:miter lim="800000"/>
+              <a:headEnd type="none" w="sm" len="sm"/>
+              <a:tailEnd type="none" w="sm" len="sm"/>
+            </a:ln>
+          </p:spPr>
+          <p:txBody>
+            <a:bodyPr spcFirstLastPara="1" wrap="square" lIns="91425" tIns="45700" rIns="91425" bIns="45700" anchor="ctr" anchorCtr="0">
+              <a:noAutofit/>
+            </a:bodyPr>
+            <a:lstStyle/>
+            <a:p>
+              <a:pPr marL="0" marR="0" lvl="0" indent="0" algn="ctr" rtl="0">
+                <a:spcBef>
+                  <a:spcPts val="0"/>
+                </a:spcBef>
+                <a:spcAft>
+                  <a:spcPts val="0"/>
+                </a:spcAft>
+                <a:buNone/>
+              </a:pPr>
+              <a:endParaRPr sz="1800" b="0" i="0" u="none" strike="noStrike" cap="none">
+                <a:solidFill>
+                  <a:schemeClr val="lt1"/>
+                </a:solidFill>
+                <a:latin typeface="Malgun Gothic"/>
+                <a:ea typeface="Malgun Gothic"/>
+                <a:cs typeface="Malgun Gothic"/>
+                <a:sym typeface="Malgun Gothic"/>
+              </a:endParaRPr>
+            </a:p>
+          </p:txBody>
+        </p:sp>
+      </p:grpSp>
+      <p:sp>
+        <p:nvSpPr>
+          <p:cNvPr id="2" name="슬라이드 번호 개체 틀 1"/>
+          <p:cNvSpPr>
+            <a:spLocks noGrp="1"/>
+          </p:cNvSpPr>
+          <p:nvPr>
+            <p:ph type="sldNum" idx="12"/>
+          </p:nvPr>
+        </p:nvSpPr>
+        <p:spPr/>
+        <p:txBody>
+          <a:bodyPr/>
+          <a:lstStyle/>
+          <a:p>
+            <a:pPr marL="0" lvl="0" indent="0" algn="r" rtl="0">
+              <a:spcBef>
+                <a:spcPts val="0"/>
+              </a:spcBef>
+              <a:spcAft>
+                <a:spcPts val="0"/>
+              </a:spcAft>
+              <a:buNone/>
+            </a:pPr>
+            <a:fld id="{00000000-1234-1234-1234-123412341234}" type="slidenum">
+              <a:rPr lang="en-US" altLang="ko-KR" smtClean="0"/>
+              <a:t>4</a:t>
             </a:fld>
             <a:endParaRPr lang="ko-KR" altLang="en-US"/>
           </a:p>
@@ -18248,7 +20325,7 @@
 </p:sld>
 </file>
 
-<file path=ppt/slides/slide4.xml><?xml version="1.0" encoding="utf-8"?>
+<file path=ppt/slides/slide5.xml><?xml version="1.0" encoding="utf-8"?>
 <p:sld xmlns:a="http://schemas.openxmlformats.org/drawingml/2006/main" xmlns:r="http://schemas.openxmlformats.org/officeDocument/2006/relationships" xmlns:p="http://schemas.openxmlformats.org/presentationml/2006/main">
   <p:cSld>
     <p:spTree>
@@ -18579,7 +20656,7 @@
             </a:pPr>
             <a:fld id="{00000000-1234-1234-1234-123412341234}" type="slidenum">
               <a:rPr lang="en-US" altLang="ko-KR" smtClean="0"/>
-              <a:t>4</a:t>
+              <a:t>5</a:t>
             </a:fld>
             <a:endParaRPr lang="ko-KR" altLang="en-US"/>
           </a:p>
@@ -18634,7 +20711,7 @@
         <p:spPr>
           <a:xfrm>
             <a:off x="8485295" y="1534879"/>
-            <a:ext cx="3655516" cy="1995611"/>
+            <a:ext cx="3655516" cy="4211602"/>
           </a:xfrm>
           <a:prstGeom prst="rect">
             <a:avLst/>
@@ -18832,7 +20909,69 @@
               <a:buFont typeface="Arial" panose="020B0604020202020204" pitchFamily="34" charset="0"/>
               <a:buChar char="•"/>
             </a:pPr>
+            <a:r>
+              <a:rPr lang="en-US" altLang="ko-KR" sz="1200" dirty="0" err="1">
+                <a:latin typeface="+mn-ea"/>
+                <a:ea typeface="+mn-ea"/>
+              </a:rPr>
+              <a:t>EffDoT</a:t>
+            </a:r>
+            <a:r>
+              <a:rPr lang="ko-KR" altLang="en-US" sz="1200" dirty="0">
+                <a:latin typeface="+mn-ea"/>
+                <a:ea typeface="+mn-ea"/>
+              </a:rPr>
+              <a:t>는 </a:t>
+            </a:r>
+            <a:r>
+              <a:rPr lang="en-US" altLang="ko-KR" sz="1200" dirty="0" err="1">
+                <a:latin typeface="+mn-ea"/>
+                <a:ea typeface="+mn-ea"/>
+              </a:rPr>
+              <a:t>EffTrun</a:t>
+            </a:r>
+            <a:r>
+              <a:rPr lang="ko-KR" altLang="en-US" sz="1200" dirty="0">
+                <a:latin typeface="+mn-ea"/>
+                <a:ea typeface="+mn-ea"/>
+              </a:rPr>
+              <a:t>값에는 적용되지 않는다</a:t>
+            </a:r>
+            <a:r>
+              <a:rPr lang="en-US" altLang="ko-KR" sz="1200" dirty="0">
+                <a:latin typeface="+mn-ea"/>
+                <a:ea typeface="+mn-ea"/>
+              </a:rPr>
+              <a:t>.</a:t>
+            </a:r>
+          </a:p>
+          <a:p>
+            <a:pPr marL="171450" indent="-171450">
+              <a:lnSpc>
+                <a:spcPct val="150000"/>
+              </a:lnSpc>
+              <a:buFont typeface="Arial" panose="020B0604020202020204" pitchFamily="34" charset="0"/>
+              <a:buChar char="•"/>
+            </a:pPr>
             <a:endParaRPr lang="en-US" altLang="ko-KR" sz="1200" dirty="0">
+              <a:latin typeface="+mn-ea"/>
+              <a:ea typeface="+mn-ea"/>
+            </a:endParaRPr>
+          </a:p>
+          <a:p>
+            <a:pPr>
+              <a:lnSpc>
+                <a:spcPct val="150000"/>
+              </a:lnSpc>
+            </a:pPr>
+            <a:r>
+              <a:rPr lang="ko-KR" altLang="en-US" sz="1200" b="1" dirty="0">
+                <a:latin typeface="+mn-ea"/>
+                <a:ea typeface="+mn-ea"/>
+              </a:rPr>
+              <a:t>보스 적용 예외</a:t>
+            </a:r>
+            <a:endParaRPr lang="en-US" altLang="ko-KR" sz="1200" b="1" dirty="0">
               <a:latin typeface="+mn-ea"/>
               <a:ea typeface="+mn-ea"/>
             </a:endParaRPr>
@@ -18846,32 +20985,186 @@
               <a:buChar char="•"/>
             </a:pPr>
             <a:r>
+              <a:rPr lang="ko-KR" altLang="en-US" sz="1200" dirty="0" err="1">
+                <a:latin typeface="+mn-ea"/>
+                <a:ea typeface="+mn-ea"/>
+              </a:rPr>
+              <a:t>넉백의</a:t>
+            </a:r>
+            <a:r>
+              <a:rPr lang="ko-KR" altLang="en-US" sz="1200" dirty="0">
+                <a:latin typeface="+mn-ea"/>
+                <a:ea typeface="+mn-ea"/>
+              </a:rPr>
+              <a:t> 경우 보스 몬스터에게는 어떠한 영향을</a:t>
+            </a:r>
+            <a:br>
+              <a:rPr lang="en-US" altLang="ko-KR" sz="1200" dirty="0">
+                <a:latin typeface="+mn-ea"/>
+                <a:ea typeface="+mn-ea"/>
+              </a:rPr>
+            </a:br>
+            <a:r>
+              <a:rPr lang="ko-KR" altLang="en-US" sz="1200" dirty="0">
+                <a:latin typeface="+mn-ea"/>
+                <a:ea typeface="+mn-ea"/>
+              </a:rPr>
+              <a:t>주지 않는다</a:t>
+            </a:r>
+            <a:r>
+              <a:rPr lang="en-US" altLang="ko-KR" sz="1200" dirty="0">
+                <a:latin typeface="+mn-ea"/>
+                <a:ea typeface="+mn-ea"/>
+              </a:rPr>
+              <a:t>. </a:t>
+            </a:r>
+          </a:p>
+          <a:p>
+            <a:pPr marL="171450" indent="-171450">
+              <a:lnSpc>
+                <a:spcPct val="150000"/>
+              </a:lnSpc>
+              <a:buFont typeface="Arial" panose="020B0604020202020204" pitchFamily="34" charset="0"/>
+              <a:buChar char="•"/>
+            </a:pPr>
+            <a:r>
+              <a:rPr lang="ko-KR" altLang="en-US" sz="1200" dirty="0">
+                <a:latin typeface="+mn-ea"/>
+                <a:ea typeface="+mn-ea"/>
+              </a:rPr>
+              <a:t>보스의 도트 피해 </a:t>
+            </a:r>
+            <a:r>
+              <a:rPr lang="en-US" altLang="ko-KR" sz="1200" dirty="0">
+                <a:latin typeface="+mn-ea"/>
+                <a:ea typeface="+mn-ea"/>
+              </a:rPr>
+              <a:t>&amp; </a:t>
+            </a:r>
+            <a:r>
+              <a:rPr lang="ko-KR" altLang="en-US" sz="1200" dirty="0">
+                <a:latin typeface="+mn-ea"/>
+                <a:ea typeface="+mn-ea"/>
+              </a:rPr>
+              <a:t>회복은 </a:t>
+            </a:r>
+            <a:r>
+              <a:rPr lang="en-US" altLang="ko-KR" sz="1200" dirty="0">
+                <a:latin typeface="+mn-ea"/>
+                <a:ea typeface="+mn-ea"/>
+              </a:rPr>
+              <a:t>DoT</a:t>
+            </a:r>
+            <a:r>
+              <a:rPr lang="ko-KR" altLang="en-US" sz="1200" dirty="0">
+                <a:latin typeface="+mn-ea"/>
+                <a:ea typeface="+mn-ea"/>
+              </a:rPr>
+              <a:t>에 영향을 </a:t>
+            </a:r>
+            <a:br>
+              <a:rPr lang="en-US" altLang="ko-KR" sz="1200" dirty="0">
+                <a:latin typeface="+mn-ea"/>
+                <a:ea typeface="+mn-ea"/>
+              </a:rPr>
+            </a:br>
+            <a:r>
+              <a:rPr lang="ko-KR" altLang="en-US" sz="1200" dirty="0">
+                <a:latin typeface="+mn-ea"/>
+                <a:ea typeface="+mn-ea"/>
+              </a:rPr>
+              <a:t>받지 않고 버프가 지속되는 매 턴 </a:t>
+            </a:r>
+            <a:r>
               <a:rPr lang="en-US" altLang="ko-KR" sz="1200" dirty="0" err="1">
                 <a:latin typeface="+mn-ea"/>
                 <a:ea typeface="+mn-ea"/>
               </a:rPr>
-              <a:t>EffDoT</a:t>
-            </a:r>
+              <a:t>EffAmount</a:t>
+            </a:r>
+            <a:br>
+              <a:rPr lang="en-US" altLang="ko-KR" sz="1200" dirty="0">
+                <a:latin typeface="+mn-ea"/>
+                <a:ea typeface="+mn-ea"/>
+              </a:rPr>
+            </a:br>
             <a:r>
               <a:rPr lang="ko-KR" altLang="en-US" sz="1200" dirty="0">
                 <a:latin typeface="+mn-ea"/>
                 <a:ea typeface="+mn-ea"/>
               </a:rPr>
-              <a:t>는 </a:t>
-            </a:r>
+              <a:t>만큼 영향을 준다</a:t>
+            </a:r>
+            <a:r>
+              <a:rPr lang="en-US" altLang="ko-KR" sz="1200" dirty="0">
+                <a:latin typeface="+mn-ea"/>
+                <a:ea typeface="+mn-ea"/>
+              </a:rPr>
+              <a:t>.</a:t>
+            </a:r>
+          </a:p>
+          <a:p>
+            <a:pPr marL="171450" indent="-171450">
+              <a:lnSpc>
+                <a:spcPct val="150000"/>
+              </a:lnSpc>
+              <a:buFont typeface="Arial" panose="020B0604020202020204" pitchFamily="34" charset="0"/>
+              <a:buChar char="•"/>
+            </a:pPr>
+            <a:r>
+              <a:rPr lang="ko-KR" altLang="en-US" sz="1200" dirty="0">
+                <a:latin typeface="+mn-ea"/>
+                <a:ea typeface="+mn-ea"/>
+              </a:rPr>
+              <a:t>보스의 스턴의 경우 스턴이 </a:t>
+            </a:r>
+            <a:r>
+              <a:rPr lang="en-US" altLang="ko-KR" sz="1200" dirty="0">
+                <a:latin typeface="+mn-ea"/>
+                <a:ea typeface="+mn-ea"/>
+              </a:rPr>
+              <a:t>1</a:t>
+            </a:r>
+            <a:r>
+              <a:rPr lang="ko-KR" altLang="en-US" sz="1200" dirty="0">
+                <a:latin typeface="+mn-ea"/>
+                <a:ea typeface="+mn-ea"/>
+              </a:rPr>
+              <a:t>회 소모될 때 </a:t>
+            </a:r>
+            <a:br>
+              <a:rPr lang="en-US" altLang="ko-KR" sz="1200" dirty="0">
+                <a:latin typeface="+mn-ea"/>
+                <a:ea typeface="+mn-ea"/>
+              </a:rPr>
+            </a:br>
             <a:r>
               <a:rPr lang="en-US" altLang="ko-KR" sz="1200" dirty="0" err="1">
                 <a:latin typeface="+mn-ea"/>
                 <a:ea typeface="+mn-ea"/>
               </a:rPr>
-              <a:t>EffTrun</a:t>
+              <a:t>EffAmount</a:t>
             </a:r>
             <a:r>
               <a:rPr lang="ko-KR" altLang="en-US" sz="1200" dirty="0">
                 <a:latin typeface="+mn-ea"/>
                 <a:ea typeface="+mn-ea"/>
               </a:rPr>
-              <a:t>값에는 적용되지 않는다</a:t>
+              <a:t>만큼 </a:t>
+            </a:r>
+            <a:r>
+              <a:rPr lang="ko-KR" altLang="en-US" sz="1200" dirty="0" err="1">
+                <a:latin typeface="+mn-ea"/>
+                <a:ea typeface="+mn-ea"/>
+              </a:rPr>
+              <a:t>스테미너를</a:t>
+            </a:r>
+            <a:r>
+              <a:rPr lang="ko-KR" altLang="en-US" sz="1200" dirty="0">
+                <a:latin typeface="+mn-ea"/>
+                <a:ea typeface="+mn-ea"/>
+              </a:rPr>
+              <a:t> 소모한다</a:t>
             </a:r>
             <a:r>
               <a:rPr lang="en-US" altLang="ko-KR" sz="1200" dirty="0">
@@ -19323,7 +21616,13 @@
             </a:extLst>
           </p:cNvPr>
           <p:cNvGraphicFramePr/>
-          <p:nvPr/>
+          <p:nvPr>
+            <p:extLst>
+              <p:ext uri="{D42A27DB-BD31-4B8C-83A1-F6EECF244321}">
+                <p14:modId xmlns:p14="http://schemas.microsoft.com/office/powerpoint/2010/main" val="183633684"/>
+              </p:ext>
+            </p:extLst>
+          </p:nvPr>
         </p:nvGraphicFramePr>
         <p:xfrm>
           <a:off x="644879" y="3724508"/>
@@ -20591,6 +22890,18 @@
                         <a:buNone/>
                       </a:pPr>
                       <a:r>
+                        <a:rPr lang="en-US" altLang="ko-KR" sz="1100" b="0" i="0" u="none" strike="noStrike" cap="none" dirty="0">
+                          <a:solidFill>
+                            <a:srgbClr val="000000"/>
+                          </a:solidFill>
+                          <a:latin typeface="Arial"/>
+                          <a:ea typeface="Arial"/>
+                          <a:cs typeface="Arial"/>
+                          <a:sym typeface="Arial"/>
+                        </a:rPr>
+                        <a:t>DoT </a:t>
+                      </a:r>
+                      <a:r>
                         <a:rPr lang="ko-KR" altLang="en-US" sz="1100" b="0" i="0" u="none" strike="noStrike" cap="none" dirty="0">
                           <a:solidFill>
                             <a:srgbClr val="000000"/>
@@ -20600,7 +22911,31 @@
                           <a:cs typeface="Arial"/>
                           <a:sym typeface="Arial"/>
                         </a:rPr>
-                        <a:t>주어진 시간동안 대상에게 일정 피해를 준다</a:t>
+                        <a:t>주기 만큼 대상에게 </a:t>
+                      </a:r>
+                      <a:r>
+                        <a:rPr lang="en-US" altLang="ko-KR" sz="1100" b="0" i="0" u="none" strike="noStrike" cap="none" dirty="0" err="1">
+                          <a:solidFill>
+                            <a:srgbClr val="000000"/>
+                          </a:solidFill>
+                          <a:latin typeface="Arial"/>
+                          <a:ea typeface="Arial"/>
+                          <a:cs typeface="Arial"/>
+                          <a:sym typeface="Arial"/>
+                        </a:rPr>
+                        <a:t>EffAmount</a:t>
+                      </a:r>
+                      <a:r>
+                        <a:rPr lang="ko-KR" altLang="en-US" sz="1100" b="0" i="0" u="none" strike="noStrike" cap="none" dirty="0">
+                          <a:solidFill>
+                            <a:srgbClr val="000000"/>
+                          </a:solidFill>
+                          <a:latin typeface="Arial"/>
+                          <a:ea typeface="Arial"/>
+                          <a:cs typeface="Arial"/>
+                          <a:sym typeface="Arial"/>
+                        </a:rPr>
+                        <a:t>의 피해를 준다</a:t>
                       </a:r>
                       <a:r>
                         <a:rPr lang="en-US" altLang="ko-KR" sz="1100" b="0" i="0" u="none" strike="noStrike" cap="none" dirty="0">
@@ -21761,7 +24096,7 @@
 </p:sld>
 </file>
 
-<file path=ppt/slides/slide5.xml><?xml version="1.0" encoding="utf-8"?>
+<file path=ppt/slides/slide6.xml><?xml version="1.0" encoding="utf-8"?>
 <p:sld xmlns:a="http://schemas.openxmlformats.org/drawingml/2006/main" xmlns:r="http://schemas.openxmlformats.org/officeDocument/2006/relationships" xmlns:p="http://schemas.openxmlformats.org/presentationml/2006/main">
   <p:cSld>
     <p:spTree>
@@ -22100,7 +24435,7 @@
             </a:pPr>
             <a:fld id="{00000000-1234-1234-1234-123412341234}" type="slidenum">
               <a:rPr lang="en-US" altLang="ko-KR" smtClean="0"/>
-              <a:t>5</a:t>
+              <a:t>6</a:t>
             </a:fld>
             <a:endParaRPr lang="ko-KR" altLang="en-US"/>
           </a:p>

--- a/기획자료/PYG_버프_김세윤.pptx
+++ b/기획자료/PYG_버프_김세윤.pptx
@@ -282,10 +282,36 @@
       <p15:notesGuideLst xmlns:p15="http://schemas.microsoft.com/office/powerpoint/2012/main"/>
     </p:ext>
     <p:ext uri="http://customooxmlschemas.google.com/">
-      <go:slidesCustomData xmlns:go="http://customooxmlschemas.google.com/" xmlns:ahyp="http://schemas.microsoft.com/office/drawing/2018/hyperlinkcolor" xmlns:p15="http://schemas.microsoft.com/office/powerpoint/2012/main" xmlns:p14="http://schemas.microsoft.com/office/powerpoint/2010/main" xmlns:com="http://schemas.openxmlformats.org/drawingml/2006/compatibility" xmlns:pvml="urn:schemas-microsoft-com:office:powerpoint" xmlns:v="urn:schemas-microsoft-com:vml" xmlns:o="urn:schemas-microsoft-com:office:office" xmlns:dgm="http://schemas.openxmlformats.org/drawingml/2006/diagram" xmlns:c="http://schemas.openxmlformats.org/drawingml/2006/chart" xmlns:mv="urn:schemas-microsoft-com:mac:vml" xmlns:mc="http://schemas.openxmlformats.org/markup-compatibility/2006" xmlns="" r:id="rId16" roundtripDataSignature="AMtx7mjoc8yIVULp6K+dfz3fr5kxV1yK+Q=="/>
+      <go:slidesCustomData xmlns="" xmlns:mc="http://schemas.openxmlformats.org/markup-compatibility/2006" xmlns:mv="urn:schemas-microsoft-com:mac:vml" xmlns:c="http://schemas.openxmlformats.org/drawingml/2006/chart" xmlns:dgm="http://schemas.openxmlformats.org/drawingml/2006/diagram" xmlns:o="urn:schemas-microsoft-com:office:office" xmlns:v="urn:schemas-microsoft-com:vml" xmlns:pvml="urn:schemas-microsoft-com:office:powerpoint" xmlns:com="http://schemas.openxmlformats.org/drawingml/2006/compatibility" xmlns:p14="http://schemas.microsoft.com/office/powerpoint/2010/main" xmlns:p15="http://schemas.microsoft.com/office/powerpoint/2012/main" xmlns:ahyp="http://schemas.microsoft.com/office/drawing/2018/hyperlinkcolor" xmlns:go="http://customooxmlschemas.google.com/" r:id="rId16" roundtripDataSignature="AMtx7mjoc8yIVULp6K+dfz3fr5kxV1yK+Q=="/>
     </p:ext>
   </p:extLst>
 </p:presentation>
+</file>
+
+<file path=ppt/commentAuthors.xml><?xml version="1.0" encoding="utf-8"?>
+<p:cmAuthorLst xmlns:a="http://schemas.openxmlformats.org/drawingml/2006/main" xmlns:r="http://schemas.openxmlformats.org/officeDocument/2006/relationships" xmlns:p="http://schemas.openxmlformats.org/presentationml/2006/main">
+  <p:cmAuthor id="1" name="jeong chaeEun" initials="jc" lastIdx="1" clrIdx="0">
+    <p:extLst>
+      <p:ext uri="{19B8F6BF-5375-455C-9EA6-DF929625EA0E}">
+        <p15:presenceInfo xmlns:p15="http://schemas.microsoft.com/office/powerpoint/2012/main" userId="fe8ef83b264e11d2" providerId="Windows Live"/>
+      </p:ext>
+    </p:extLst>
+  </p:cmAuthor>
+</p:cmAuthorLst>
+</file>
+
+<file path=ppt/comments/comment1.xml><?xml version="1.0" encoding="utf-8"?>
+<p:cmLst xmlns:a="http://schemas.openxmlformats.org/drawingml/2006/main" xmlns:r="http://schemas.openxmlformats.org/officeDocument/2006/relationships" xmlns:p="http://schemas.openxmlformats.org/presentationml/2006/main">
+  <p:cm authorId="1" dt="2022-10-17T22:20:50.513" idx="1">
+    <p:pos x="10" y="10"/>
+    <p:text>스턴이랑 회복 우선</p:text>
+    <p:extLst>
+      <p:ext uri="{C676402C-5697-4E1C-873F-D02D1690AC5C}">
+        <p15:threadingInfo xmlns:p15="http://schemas.microsoft.com/office/powerpoint/2012/main" timeZoneBias="-540"/>
+      </p:ext>
+    </p:extLst>
+  </p:cm>
+</p:cmLst>
 </file>
 
 <file path=ppt/notesMasters/notesMaster1.xml><?xml version="1.0" encoding="utf-8"?>
